--- a/整合/產品報告.pptx
+++ b/整合/產品報告.pptx
@@ -4,22 +4,24 @@
   <p:sldMasterIdLst>
     <p:sldMasterId id="2147483648" r:id="rId1"/>
   </p:sldMasterIdLst>
+  <p:notesMasterIdLst>
+    <p:notesMasterId r:id="rId16"/>
+  </p:notesMasterIdLst>
   <p:sldIdLst>
     <p:sldId id="256" r:id="rId2"/>
     <p:sldId id="257" r:id="rId3"/>
     <p:sldId id="258" r:id="rId4"/>
     <p:sldId id="267" r:id="rId5"/>
     <p:sldId id="260" r:id="rId6"/>
-    <p:sldId id="266" r:id="rId7"/>
-    <p:sldId id="265" r:id="rId8"/>
-    <p:sldId id="261" r:id="rId9"/>
+    <p:sldId id="265" r:id="rId7"/>
+    <p:sldId id="261" r:id="rId8"/>
+    <p:sldId id="266" r:id="rId9"/>
     <p:sldId id="262" r:id="rId10"/>
     <p:sldId id="263" r:id="rId11"/>
     <p:sldId id="264" r:id="rId12"/>
     <p:sldId id="268" r:id="rId13"/>
     <p:sldId id="269" r:id="rId14"/>
-    <p:sldId id="270" r:id="rId15"/>
-    <p:sldId id="271" r:id="rId16"/>
+    <p:sldId id="271" r:id="rId15"/>
   </p:sldIdLst>
   <p:sldSz cx="12192000" cy="6858000"/>
   <p:notesSz cx="6858000" cy="9144000"/>
@@ -139,7 +141,7 @@
   <pc:docChgLst>
     <pc:chgData name="品佑 陳" userId="b47096fc5e872c87" providerId="LiveId" clId="{9E32E880-9E21-4A31-BD97-DF83B23E4AFF}"/>
     <pc:docChg chg="undo custSel addSld delSld modSld sldOrd">
-      <pc:chgData name="品佑 陳" userId="b47096fc5e872c87" providerId="LiveId" clId="{9E32E880-9E21-4A31-BD97-DF83B23E4AFF}" dt="2023-12-12T11:48:16.160" v="5132" actId="1076"/>
+      <pc:chgData name="品佑 陳" userId="b47096fc5e872c87" providerId="LiveId" clId="{9E32E880-9E21-4A31-BD97-DF83B23E4AFF}" dt="2023-12-13T09:24:31.751" v="5681" actId="47"/>
       <pc:docMkLst>
         <pc:docMk/>
       </pc:docMkLst>
@@ -246,7 +248,7 @@
         </pc:grpChg>
       </pc:sldChg>
       <pc:sldChg chg="addSp delSp modSp new mod setBg">
-        <pc:chgData name="品佑 陳" userId="b47096fc5e872c87" providerId="LiveId" clId="{9E32E880-9E21-4A31-BD97-DF83B23E4AFF}" dt="2023-12-12T11:33:11.660" v="5107" actId="20577"/>
+        <pc:chgData name="品佑 陳" userId="b47096fc5e872c87" providerId="LiveId" clId="{9E32E880-9E21-4A31-BD97-DF83B23E4AFF}" dt="2023-12-13T02:59:59.602" v="5209" actId="14100"/>
         <pc:sldMkLst>
           <pc:docMk/>
           <pc:sldMk cId="1516866410" sldId="258"/>
@@ -260,7 +262,7 @@
           </ac:spMkLst>
         </pc:spChg>
         <pc:spChg chg="mod">
-          <ac:chgData name="品佑 陳" userId="b47096fc5e872c87" providerId="LiveId" clId="{9E32E880-9E21-4A31-BD97-DF83B23E4AFF}" dt="2023-12-12T11:33:11.660" v="5107" actId="20577"/>
+          <ac:chgData name="品佑 陳" userId="b47096fc5e872c87" providerId="LiveId" clId="{9E32E880-9E21-4A31-BD97-DF83B23E4AFF}" dt="2023-12-13T02:59:59.602" v="5209" actId="14100"/>
           <ac:spMkLst>
             <pc:docMk/>
             <pc:sldMk cId="1516866410" sldId="258"/>
@@ -412,7 +414,7 @@
         </pc:picChg>
       </pc:sldChg>
       <pc:sldChg chg="addSp modSp new mod setBg">
-        <pc:chgData name="品佑 陳" userId="b47096fc5e872c87" providerId="LiveId" clId="{9E32E880-9E21-4A31-BD97-DF83B23E4AFF}" dt="2023-12-12T10:40:28.258" v="4904" actId="113"/>
+        <pc:chgData name="品佑 陳" userId="b47096fc5e872c87" providerId="LiveId" clId="{9E32E880-9E21-4A31-BD97-DF83B23E4AFF}" dt="2023-12-13T03:22:00.193" v="5574" actId="27636"/>
         <pc:sldMkLst>
           <pc:docMk/>
           <pc:sldMk cId="2306524299" sldId="260"/>
@@ -426,7 +428,7 @@
           </ac:spMkLst>
         </pc:spChg>
         <pc:spChg chg="mod">
-          <ac:chgData name="品佑 陳" userId="b47096fc5e872c87" providerId="LiveId" clId="{9E32E880-9E21-4A31-BD97-DF83B23E4AFF}" dt="2023-12-12T10:37:02.505" v="4869" actId="26606"/>
+          <ac:chgData name="品佑 陳" userId="b47096fc5e872c87" providerId="LiveId" clId="{9E32E880-9E21-4A31-BD97-DF83B23E4AFF}" dt="2023-12-13T03:22:00.193" v="5574" actId="27636"/>
           <ac:spMkLst>
             <pc:docMk/>
             <pc:sldMk cId="2306524299" sldId="260"/>
@@ -458,8 +460,8 @@
           </ac:grpSpMkLst>
         </pc:grpChg>
       </pc:sldChg>
-      <pc:sldChg chg="addSp delSp modSp new mod setBg">
-        <pc:chgData name="品佑 陳" userId="b47096fc5e872c87" providerId="LiveId" clId="{9E32E880-9E21-4A31-BD97-DF83B23E4AFF}" dt="2023-12-12T10:41:18.124" v="4918" actId="26606"/>
+      <pc:sldChg chg="addSp delSp modSp new mod ord setBg">
+        <pc:chgData name="品佑 陳" userId="b47096fc5e872c87" providerId="LiveId" clId="{9E32E880-9E21-4A31-BD97-DF83B23E4AFF}" dt="2023-12-13T03:32:57.519" v="5578"/>
         <pc:sldMkLst>
           <pc:docMk/>
           <pc:sldMk cId="209587823" sldId="261"/>
@@ -593,7 +595,7 @@
         </pc:grpChg>
       </pc:sldChg>
       <pc:sldChg chg="addSp modSp new mod setBg">
-        <pc:chgData name="品佑 陳" userId="b47096fc5e872c87" providerId="LiveId" clId="{9E32E880-9E21-4A31-BD97-DF83B23E4AFF}" dt="2023-12-12T10:41:29.970" v="4920" actId="26606"/>
+        <pc:chgData name="品佑 陳" userId="b47096fc5e872c87" providerId="LiveId" clId="{9E32E880-9E21-4A31-BD97-DF83B23E4AFF}" dt="2023-12-13T08:56:06.131" v="5656" actId="20577"/>
         <pc:sldMkLst>
           <pc:docMk/>
           <pc:sldMk cId="211147894" sldId="263"/>
@@ -607,7 +609,7 @@
           </ac:spMkLst>
         </pc:spChg>
         <pc:spChg chg="mod">
-          <ac:chgData name="品佑 陳" userId="b47096fc5e872c87" providerId="LiveId" clId="{9E32E880-9E21-4A31-BD97-DF83B23E4AFF}" dt="2023-12-12T10:41:29.970" v="4920" actId="26606"/>
+          <ac:chgData name="品佑 陳" userId="b47096fc5e872c87" providerId="LiveId" clId="{9E32E880-9E21-4A31-BD97-DF83B23E4AFF}" dt="2023-12-13T08:56:06.131" v="5656" actId="20577"/>
           <ac:spMkLst>
             <pc:docMk/>
             <pc:sldMk cId="211147894" sldId="263"/>
@@ -702,8 +704,8 @@
           </ac:cxnSpMkLst>
         </pc:cxnChg>
       </pc:sldChg>
-      <pc:sldChg chg="addSp modSp new mod setBg">
-        <pc:chgData name="品佑 陳" userId="b47096fc5e872c87" providerId="LiveId" clId="{9E32E880-9E21-4A31-BD97-DF83B23E4AFF}" dt="2023-12-12T10:41:09.071" v="4915" actId="26606"/>
+      <pc:sldChg chg="addSp modSp new mod ord setBg">
+        <pc:chgData name="品佑 陳" userId="b47096fc5e872c87" providerId="LiveId" clId="{9E32E880-9E21-4A31-BD97-DF83B23E4AFF}" dt="2023-12-13T03:38:10.541" v="5644" actId="20577"/>
         <pc:sldMkLst>
           <pc:docMk/>
           <pc:sldMk cId="2807620293" sldId="265"/>
@@ -717,7 +719,7 @@
           </ac:spMkLst>
         </pc:spChg>
         <pc:spChg chg="mod">
-          <ac:chgData name="品佑 陳" userId="b47096fc5e872c87" providerId="LiveId" clId="{9E32E880-9E21-4A31-BD97-DF83B23E4AFF}" dt="2023-12-12T10:41:09.071" v="4915" actId="26606"/>
+          <ac:chgData name="品佑 陳" userId="b47096fc5e872c87" providerId="LiveId" clId="{9E32E880-9E21-4A31-BD97-DF83B23E4AFF}" dt="2023-12-13T03:38:10.541" v="5644" actId="20577"/>
           <ac:spMkLst>
             <pc:docMk/>
             <pc:sldMk cId="2807620293" sldId="265"/>
@@ -915,13 +917,13 @@
         </pc:cxnChg>
       </pc:sldChg>
       <pc:sldChg chg="addSp modSp new mod ord setBg">
-        <pc:chgData name="品佑 陳" userId="b47096fc5e872c87" providerId="LiveId" clId="{9E32E880-9E21-4A31-BD97-DF83B23E4AFF}" dt="2023-12-12T11:47:55.260" v="5128" actId="20577"/>
+        <pc:chgData name="品佑 陳" userId="b47096fc5e872c87" providerId="LiveId" clId="{9E32E880-9E21-4A31-BD97-DF83B23E4AFF}" dt="2023-12-13T09:14:01.857" v="5680" actId="20577"/>
         <pc:sldMkLst>
           <pc:docMk/>
           <pc:sldMk cId="1855425495" sldId="269"/>
         </pc:sldMkLst>
         <pc:spChg chg="mod">
-          <ac:chgData name="品佑 陳" userId="b47096fc5e872c87" providerId="LiveId" clId="{9E32E880-9E21-4A31-BD97-DF83B23E4AFF}" dt="2023-12-12T10:42:11.289" v="4932" actId="26606"/>
+          <ac:chgData name="品佑 陳" userId="b47096fc5e872c87" providerId="LiveId" clId="{9E32E880-9E21-4A31-BD97-DF83B23E4AFF}" dt="2023-12-13T09:14:01.857" v="5680" actId="20577"/>
           <ac:spMkLst>
             <pc:docMk/>
             <pc:sldMk cId="1855425495" sldId="269"/>
@@ -929,7 +931,7 @@
           </ac:spMkLst>
         </pc:spChg>
         <pc:spChg chg="mod">
-          <ac:chgData name="品佑 陳" userId="b47096fc5e872c87" providerId="LiveId" clId="{9E32E880-9E21-4A31-BD97-DF83B23E4AFF}" dt="2023-12-12T11:47:55.260" v="5128" actId="20577"/>
+          <ac:chgData name="品佑 陳" userId="b47096fc5e872c87" providerId="LiveId" clId="{9E32E880-9E21-4A31-BD97-DF83B23E4AFF}" dt="2023-12-13T02:02:08.135" v="5194" actId="20577"/>
           <ac:spMkLst>
             <pc:docMk/>
             <pc:sldMk cId="1855425495" sldId="269"/>
@@ -969,8 +971,8 @@
           </ac:cxnSpMkLst>
         </pc:cxnChg>
       </pc:sldChg>
-      <pc:sldChg chg="addSp delSp modSp new mod">
-        <pc:chgData name="品佑 陳" userId="b47096fc5e872c87" providerId="LiveId" clId="{9E32E880-9E21-4A31-BD97-DF83B23E4AFF}" dt="2023-12-12T11:48:16.160" v="5132" actId="1076"/>
+      <pc:sldChg chg="addSp delSp modSp new del mod">
+        <pc:chgData name="品佑 陳" userId="b47096fc5e872c87" providerId="LiveId" clId="{9E32E880-9E21-4A31-BD97-DF83B23E4AFF}" dt="2023-12-13T09:24:31.751" v="5681" actId="47"/>
         <pc:sldMkLst>
           <pc:docMk/>
           <pc:sldMk cId="1789766772" sldId="270"/>
@@ -1020,6 +1022,523 @@
 </pc:chgInfo>
 </file>
 
+<file path=ppt/notesMasters/notesMaster1.xml><?xml version="1.0" encoding="utf-8"?>
+<p:notesMaster xmlns:a="http://schemas.openxmlformats.org/drawingml/2006/main" xmlns:r="http://schemas.openxmlformats.org/officeDocument/2006/relationships" xmlns:p="http://schemas.openxmlformats.org/presentationml/2006/main">
+  <p:cSld>
+    <p:bg>
+      <p:bgRef idx="1001">
+        <a:schemeClr val="bg1"/>
+      </p:bgRef>
+    </p:bg>
+    <p:spTree>
+      <p:nvGrpSpPr>
+        <p:cNvPr id="1" name=""/>
+        <p:cNvGrpSpPr/>
+        <p:nvPr/>
+      </p:nvGrpSpPr>
+      <p:grpSpPr>
+        <a:xfrm>
+          <a:off x="0" y="0"/>
+          <a:ext cx="0" cy="0"/>
+          <a:chOff x="0" y="0"/>
+          <a:chExt cx="0" cy="0"/>
+        </a:xfrm>
+      </p:grpSpPr>
+      <p:sp>
+        <p:nvSpPr>
+          <p:cNvPr id="2" name="頁首版面配置區 1"/>
+          <p:cNvSpPr>
+            <a:spLocks noGrp="1"/>
+          </p:cNvSpPr>
+          <p:nvPr>
+            <p:ph type="hdr" sz="quarter"/>
+          </p:nvPr>
+        </p:nvSpPr>
+        <p:spPr>
+          <a:xfrm>
+            <a:off x="0" y="0"/>
+            <a:ext cx="2971800" cy="458788"/>
+          </a:xfrm>
+          <a:prstGeom prst="rect">
+            <a:avLst/>
+          </a:prstGeom>
+        </p:spPr>
+        <p:txBody>
+          <a:bodyPr vert="horz" lIns="91440" tIns="45720" rIns="91440" bIns="45720" rtlCol="0"/>
+          <a:lstStyle>
+            <a:lvl1pPr algn="l">
+              <a:defRPr sz="1200"/>
+            </a:lvl1pPr>
+          </a:lstStyle>
+          <a:p>
+            <a:endParaRPr lang="zh-TW" altLang="en-US"/>
+          </a:p>
+        </p:txBody>
+      </p:sp>
+      <p:sp>
+        <p:nvSpPr>
+          <p:cNvPr id="3" name="日期版面配置區 2"/>
+          <p:cNvSpPr>
+            <a:spLocks noGrp="1"/>
+          </p:cNvSpPr>
+          <p:nvPr>
+            <p:ph type="dt" idx="1"/>
+          </p:nvPr>
+        </p:nvSpPr>
+        <p:spPr>
+          <a:xfrm>
+            <a:off x="3884613" y="0"/>
+            <a:ext cx="2971800" cy="458788"/>
+          </a:xfrm>
+          <a:prstGeom prst="rect">
+            <a:avLst/>
+          </a:prstGeom>
+        </p:spPr>
+        <p:txBody>
+          <a:bodyPr vert="horz" lIns="91440" tIns="45720" rIns="91440" bIns="45720" rtlCol="0"/>
+          <a:lstStyle>
+            <a:lvl1pPr algn="r">
+              <a:defRPr sz="1200"/>
+            </a:lvl1pPr>
+          </a:lstStyle>
+          <a:p>
+            <a:fld id="{348DD897-C32E-42F1-9BC0-69A63B2159A6}" type="datetimeFigureOut">
+              <a:rPr lang="zh-TW" altLang="en-US" smtClean="0"/>
+              <a:t>2023/12/13</a:t>
+            </a:fld>
+            <a:endParaRPr lang="zh-TW" altLang="en-US"/>
+          </a:p>
+        </p:txBody>
+      </p:sp>
+      <p:sp>
+        <p:nvSpPr>
+          <p:cNvPr id="4" name="投影片影像版面配置區 3"/>
+          <p:cNvSpPr>
+            <a:spLocks noGrp="1" noRot="1" noChangeAspect="1"/>
+          </p:cNvSpPr>
+          <p:nvPr>
+            <p:ph type="sldImg" idx="2"/>
+          </p:nvPr>
+        </p:nvSpPr>
+        <p:spPr>
+          <a:xfrm>
+            <a:off x="685800" y="1143000"/>
+            <a:ext cx="5486400" cy="3086100"/>
+          </a:xfrm>
+          <a:prstGeom prst="rect">
+            <a:avLst/>
+          </a:prstGeom>
+          <a:noFill/>
+          <a:ln w="12700">
+            <a:solidFill>
+              <a:prstClr val="black"/>
+            </a:solidFill>
+          </a:ln>
+        </p:spPr>
+        <p:txBody>
+          <a:bodyPr vert="horz" lIns="91440" tIns="45720" rIns="91440" bIns="45720" rtlCol="0" anchor="ctr"/>
+          <a:lstStyle/>
+          <a:p>
+            <a:endParaRPr lang="zh-TW" altLang="en-US"/>
+          </a:p>
+        </p:txBody>
+      </p:sp>
+      <p:sp>
+        <p:nvSpPr>
+          <p:cNvPr id="5" name="備忘稿版面配置區 4"/>
+          <p:cNvSpPr>
+            <a:spLocks noGrp="1"/>
+          </p:cNvSpPr>
+          <p:nvPr>
+            <p:ph type="body" sz="quarter" idx="3"/>
+          </p:nvPr>
+        </p:nvSpPr>
+        <p:spPr>
+          <a:xfrm>
+            <a:off x="685800" y="4400550"/>
+            <a:ext cx="5486400" cy="3600450"/>
+          </a:xfrm>
+          <a:prstGeom prst="rect">
+            <a:avLst/>
+          </a:prstGeom>
+        </p:spPr>
+        <p:txBody>
+          <a:bodyPr vert="horz" lIns="91440" tIns="45720" rIns="91440" bIns="45720" rtlCol="0"/>
+          <a:lstStyle/>
+          <a:p>
+            <a:pPr lvl="0"/>
+            <a:r>
+              <a:rPr lang="zh-TW" altLang="en-US"/>
+              <a:t>按一下以編輯母片文字樣式</a:t>
+            </a:r>
+          </a:p>
+          <a:p>
+            <a:pPr lvl="1"/>
+            <a:r>
+              <a:rPr lang="zh-TW" altLang="en-US"/>
+              <a:t>第二層</a:t>
+            </a:r>
+          </a:p>
+          <a:p>
+            <a:pPr lvl="2"/>
+            <a:r>
+              <a:rPr lang="zh-TW" altLang="en-US"/>
+              <a:t>第三層</a:t>
+            </a:r>
+          </a:p>
+          <a:p>
+            <a:pPr lvl="3"/>
+            <a:r>
+              <a:rPr lang="zh-TW" altLang="en-US"/>
+              <a:t>第四層</a:t>
+            </a:r>
+          </a:p>
+          <a:p>
+            <a:pPr lvl="4"/>
+            <a:r>
+              <a:rPr lang="zh-TW" altLang="en-US"/>
+              <a:t>第五層</a:t>
+            </a:r>
+          </a:p>
+        </p:txBody>
+      </p:sp>
+      <p:sp>
+        <p:nvSpPr>
+          <p:cNvPr id="6" name="頁尾版面配置區 5"/>
+          <p:cNvSpPr>
+            <a:spLocks noGrp="1"/>
+          </p:cNvSpPr>
+          <p:nvPr>
+            <p:ph type="ftr" sz="quarter" idx="4"/>
+          </p:nvPr>
+        </p:nvSpPr>
+        <p:spPr>
+          <a:xfrm>
+            <a:off x="0" y="8685213"/>
+            <a:ext cx="2971800" cy="458787"/>
+          </a:xfrm>
+          <a:prstGeom prst="rect">
+            <a:avLst/>
+          </a:prstGeom>
+        </p:spPr>
+        <p:txBody>
+          <a:bodyPr vert="horz" lIns="91440" tIns="45720" rIns="91440" bIns="45720" rtlCol="0" anchor="b"/>
+          <a:lstStyle>
+            <a:lvl1pPr algn="l">
+              <a:defRPr sz="1200"/>
+            </a:lvl1pPr>
+          </a:lstStyle>
+          <a:p>
+            <a:endParaRPr lang="zh-TW" altLang="en-US"/>
+          </a:p>
+        </p:txBody>
+      </p:sp>
+      <p:sp>
+        <p:nvSpPr>
+          <p:cNvPr id="7" name="投影片編號版面配置區 6"/>
+          <p:cNvSpPr>
+            <a:spLocks noGrp="1"/>
+          </p:cNvSpPr>
+          <p:nvPr>
+            <p:ph type="sldNum" sz="quarter" idx="5"/>
+          </p:nvPr>
+        </p:nvSpPr>
+        <p:spPr>
+          <a:xfrm>
+            <a:off x="3884613" y="8685213"/>
+            <a:ext cx="2971800" cy="458787"/>
+          </a:xfrm>
+          <a:prstGeom prst="rect">
+            <a:avLst/>
+          </a:prstGeom>
+        </p:spPr>
+        <p:txBody>
+          <a:bodyPr vert="horz" lIns="91440" tIns="45720" rIns="91440" bIns="45720" rtlCol="0" anchor="b"/>
+          <a:lstStyle>
+            <a:lvl1pPr algn="r">
+              <a:defRPr sz="1200"/>
+            </a:lvl1pPr>
+          </a:lstStyle>
+          <a:p>
+            <a:fld id="{98BDEE20-C133-4667-9B91-81B981CB819B}" type="slidenum">
+              <a:rPr lang="zh-TW" altLang="en-US" smtClean="0"/>
+              <a:t>‹#›</a:t>
+            </a:fld>
+            <a:endParaRPr lang="zh-TW" altLang="en-US"/>
+          </a:p>
+        </p:txBody>
+      </p:sp>
+    </p:spTree>
+    <p:extLst>
+      <p:ext uri="{BB962C8B-B14F-4D97-AF65-F5344CB8AC3E}">
+        <p14:creationId xmlns:p14="http://schemas.microsoft.com/office/powerpoint/2010/main" val="4038112217"/>
+      </p:ext>
+    </p:extLst>
+  </p:cSld>
+  <p:clrMap bg1="lt1" tx1="dk1" bg2="lt2" tx2="dk2" accent1="accent1" accent2="accent2" accent3="accent3" accent4="accent4" accent5="accent5" accent6="accent6" hlink="hlink" folHlink="folHlink"/>
+  <p:notesStyle>
+    <a:lvl1pPr marL="0" algn="l" defTabSz="914400" rtl="0" eaLnBrk="1" latinLnBrk="0" hangingPunct="1">
+      <a:defRPr sz="1200" kern="1200">
+        <a:solidFill>
+          <a:schemeClr val="tx1"/>
+        </a:solidFill>
+        <a:latin typeface="+mn-lt"/>
+        <a:ea typeface="+mn-ea"/>
+        <a:cs typeface="+mn-cs"/>
+      </a:defRPr>
+    </a:lvl1pPr>
+    <a:lvl2pPr marL="457200" algn="l" defTabSz="914400" rtl="0" eaLnBrk="1" latinLnBrk="0" hangingPunct="1">
+      <a:defRPr sz="1200" kern="1200">
+        <a:solidFill>
+          <a:schemeClr val="tx1"/>
+        </a:solidFill>
+        <a:latin typeface="+mn-lt"/>
+        <a:ea typeface="+mn-ea"/>
+        <a:cs typeface="+mn-cs"/>
+      </a:defRPr>
+    </a:lvl2pPr>
+    <a:lvl3pPr marL="914400" algn="l" defTabSz="914400" rtl="0" eaLnBrk="1" latinLnBrk="0" hangingPunct="1">
+      <a:defRPr sz="1200" kern="1200">
+        <a:solidFill>
+          <a:schemeClr val="tx1"/>
+        </a:solidFill>
+        <a:latin typeface="+mn-lt"/>
+        <a:ea typeface="+mn-ea"/>
+        <a:cs typeface="+mn-cs"/>
+      </a:defRPr>
+    </a:lvl3pPr>
+    <a:lvl4pPr marL="1371600" algn="l" defTabSz="914400" rtl="0" eaLnBrk="1" latinLnBrk="0" hangingPunct="1">
+      <a:defRPr sz="1200" kern="1200">
+        <a:solidFill>
+          <a:schemeClr val="tx1"/>
+        </a:solidFill>
+        <a:latin typeface="+mn-lt"/>
+        <a:ea typeface="+mn-ea"/>
+        <a:cs typeface="+mn-cs"/>
+      </a:defRPr>
+    </a:lvl4pPr>
+    <a:lvl5pPr marL="1828800" algn="l" defTabSz="914400" rtl="0" eaLnBrk="1" latinLnBrk="0" hangingPunct="1">
+      <a:defRPr sz="1200" kern="1200">
+        <a:solidFill>
+          <a:schemeClr val="tx1"/>
+        </a:solidFill>
+        <a:latin typeface="+mn-lt"/>
+        <a:ea typeface="+mn-ea"/>
+        <a:cs typeface="+mn-cs"/>
+      </a:defRPr>
+    </a:lvl5pPr>
+    <a:lvl6pPr marL="2286000" algn="l" defTabSz="914400" rtl="0" eaLnBrk="1" latinLnBrk="0" hangingPunct="1">
+      <a:defRPr sz="1200" kern="1200">
+        <a:solidFill>
+          <a:schemeClr val="tx1"/>
+        </a:solidFill>
+        <a:latin typeface="+mn-lt"/>
+        <a:ea typeface="+mn-ea"/>
+        <a:cs typeface="+mn-cs"/>
+      </a:defRPr>
+    </a:lvl6pPr>
+    <a:lvl7pPr marL="2743200" algn="l" defTabSz="914400" rtl="0" eaLnBrk="1" latinLnBrk="0" hangingPunct="1">
+      <a:defRPr sz="1200" kern="1200">
+        <a:solidFill>
+          <a:schemeClr val="tx1"/>
+        </a:solidFill>
+        <a:latin typeface="+mn-lt"/>
+        <a:ea typeface="+mn-ea"/>
+        <a:cs typeface="+mn-cs"/>
+      </a:defRPr>
+    </a:lvl7pPr>
+    <a:lvl8pPr marL="3200400" algn="l" defTabSz="914400" rtl="0" eaLnBrk="1" latinLnBrk="0" hangingPunct="1">
+      <a:defRPr sz="1200" kern="1200">
+        <a:solidFill>
+          <a:schemeClr val="tx1"/>
+        </a:solidFill>
+        <a:latin typeface="+mn-lt"/>
+        <a:ea typeface="+mn-ea"/>
+        <a:cs typeface="+mn-cs"/>
+      </a:defRPr>
+    </a:lvl8pPr>
+    <a:lvl9pPr marL="3657600" algn="l" defTabSz="914400" rtl="0" eaLnBrk="1" latinLnBrk="0" hangingPunct="1">
+      <a:defRPr sz="1200" kern="1200">
+        <a:solidFill>
+          <a:schemeClr val="tx1"/>
+        </a:solidFill>
+        <a:latin typeface="+mn-lt"/>
+        <a:ea typeface="+mn-ea"/>
+        <a:cs typeface="+mn-cs"/>
+      </a:defRPr>
+    </a:lvl9pPr>
+  </p:notesStyle>
+</p:notesMaster>
+</file>
+
+<file path=ppt/notesSlides/notesSlide1.xml><?xml version="1.0" encoding="utf-8"?>
+<p:notes xmlns:a="http://schemas.openxmlformats.org/drawingml/2006/main" xmlns:r="http://schemas.openxmlformats.org/officeDocument/2006/relationships" xmlns:p="http://schemas.openxmlformats.org/presentationml/2006/main">
+  <p:cSld>
+    <p:spTree>
+      <p:nvGrpSpPr>
+        <p:cNvPr id="1" name=""/>
+        <p:cNvGrpSpPr/>
+        <p:nvPr/>
+      </p:nvGrpSpPr>
+      <p:grpSpPr>
+        <a:xfrm>
+          <a:off x="0" y="0"/>
+          <a:ext cx="0" cy="0"/>
+          <a:chOff x="0" y="0"/>
+          <a:chExt cx="0" cy="0"/>
+        </a:xfrm>
+      </p:grpSpPr>
+      <p:sp>
+        <p:nvSpPr>
+          <p:cNvPr id="2" name="投影片影像版面配置區 1"/>
+          <p:cNvSpPr>
+            <a:spLocks noGrp="1" noRot="1" noChangeAspect="1"/>
+          </p:cNvSpPr>
+          <p:nvPr>
+            <p:ph type="sldImg"/>
+          </p:nvPr>
+        </p:nvSpPr>
+        <p:spPr/>
+      </p:sp>
+      <p:sp>
+        <p:nvSpPr>
+          <p:cNvPr id="3" name="備忘稿版面配置區 2"/>
+          <p:cNvSpPr>
+            <a:spLocks noGrp="1"/>
+          </p:cNvSpPr>
+          <p:nvPr>
+            <p:ph type="body" idx="1"/>
+          </p:nvPr>
+        </p:nvSpPr>
+        <p:spPr/>
+        <p:txBody>
+          <a:bodyPr/>
+          <a:lstStyle/>
+          <a:p>
+            <a:endParaRPr lang="zh-TW" altLang="en-US" dirty="0"/>
+          </a:p>
+        </p:txBody>
+      </p:sp>
+      <p:sp>
+        <p:nvSpPr>
+          <p:cNvPr id="4" name="投影片編號版面配置區 3"/>
+          <p:cNvSpPr>
+            <a:spLocks noGrp="1"/>
+          </p:cNvSpPr>
+          <p:nvPr>
+            <p:ph type="sldNum" sz="quarter" idx="5"/>
+          </p:nvPr>
+        </p:nvSpPr>
+        <p:spPr/>
+        <p:txBody>
+          <a:bodyPr/>
+          <a:lstStyle/>
+          <a:p>
+            <a:fld id="{98BDEE20-C133-4667-9B91-81B981CB819B}" type="slidenum">
+              <a:rPr lang="zh-TW" altLang="en-US" smtClean="0"/>
+              <a:t>1</a:t>
+            </a:fld>
+            <a:endParaRPr lang="zh-TW" altLang="en-US"/>
+          </a:p>
+        </p:txBody>
+      </p:sp>
+    </p:spTree>
+    <p:extLst>
+      <p:ext uri="{BB962C8B-B14F-4D97-AF65-F5344CB8AC3E}">
+        <p14:creationId xmlns:p14="http://schemas.microsoft.com/office/powerpoint/2010/main" val="3659330664"/>
+      </p:ext>
+    </p:extLst>
+  </p:cSld>
+  <p:clrMapOvr>
+    <a:masterClrMapping/>
+  </p:clrMapOvr>
+</p:notes>
+</file>
+
+<file path=ppt/notesSlides/notesSlide2.xml><?xml version="1.0" encoding="utf-8"?>
+<p:notes xmlns:a="http://schemas.openxmlformats.org/drawingml/2006/main" xmlns:r="http://schemas.openxmlformats.org/officeDocument/2006/relationships" xmlns:p="http://schemas.openxmlformats.org/presentationml/2006/main">
+  <p:cSld>
+    <p:spTree>
+      <p:nvGrpSpPr>
+        <p:cNvPr id="1" name=""/>
+        <p:cNvGrpSpPr/>
+        <p:nvPr/>
+      </p:nvGrpSpPr>
+      <p:grpSpPr>
+        <a:xfrm>
+          <a:off x="0" y="0"/>
+          <a:ext cx="0" cy="0"/>
+          <a:chOff x="0" y="0"/>
+          <a:chExt cx="0" cy="0"/>
+        </a:xfrm>
+      </p:grpSpPr>
+      <p:sp>
+        <p:nvSpPr>
+          <p:cNvPr id="2" name="投影片影像版面配置區 1"/>
+          <p:cNvSpPr>
+            <a:spLocks noGrp="1" noRot="1" noChangeAspect="1"/>
+          </p:cNvSpPr>
+          <p:nvPr>
+            <p:ph type="sldImg"/>
+          </p:nvPr>
+        </p:nvSpPr>
+        <p:spPr/>
+      </p:sp>
+      <p:sp>
+        <p:nvSpPr>
+          <p:cNvPr id="3" name="備忘稿版面配置區 2"/>
+          <p:cNvSpPr>
+            <a:spLocks noGrp="1"/>
+          </p:cNvSpPr>
+          <p:nvPr>
+            <p:ph type="body" idx="1"/>
+          </p:nvPr>
+        </p:nvSpPr>
+        <p:spPr/>
+        <p:txBody>
+          <a:bodyPr/>
+          <a:lstStyle/>
+          <a:p>
+            <a:endParaRPr lang="zh-TW" altLang="en-US" dirty="0"/>
+          </a:p>
+        </p:txBody>
+      </p:sp>
+      <p:sp>
+        <p:nvSpPr>
+          <p:cNvPr id="4" name="投影片編號版面配置區 3"/>
+          <p:cNvSpPr>
+            <a:spLocks noGrp="1"/>
+          </p:cNvSpPr>
+          <p:nvPr>
+            <p:ph type="sldNum" sz="quarter" idx="5"/>
+          </p:nvPr>
+        </p:nvSpPr>
+        <p:spPr/>
+        <p:txBody>
+          <a:bodyPr/>
+          <a:lstStyle/>
+          <a:p>
+            <a:fld id="{98BDEE20-C133-4667-9B91-81B981CB819B}" type="slidenum">
+              <a:rPr lang="zh-TW" altLang="en-US" smtClean="0"/>
+              <a:t>2</a:t>
+            </a:fld>
+            <a:endParaRPr lang="zh-TW" altLang="en-US"/>
+          </a:p>
+        </p:txBody>
+      </p:sp>
+    </p:spTree>
+    <p:extLst>
+      <p:ext uri="{BB962C8B-B14F-4D97-AF65-F5344CB8AC3E}">
+        <p14:creationId xmlns:p14="http://schemas.microsoft.com/office/powerpoint/2010/main" val="1475540699"/>
+      </p:ext>
+    </p:extLst>
+  </p:cSld>
+  <p:clrMapOvr>
+    <a:masterClrMapping/>
+  </p:clrMapOvr>
+</p:notes>
+</file>
+
 <file path=ppt/slideLayouts/slideLayout1.xml><?xml version="1.0" encoding="utf-8"?>
 <p:sldLayout xmlns:a="http://schemas.openxmlformats.org/drawingml/2006/main" xmlns:r="http://schemas.openxmlformats.org/officeDocument/2006/relationships" xmlns:p="http://schemas.openxmlformats.org/presentationml/2006/main" type="title" preserve="1">
   <p:cSld name="標題投影片">
@@ -1167,7 +1686,7 @@
           <a:p>
             <a:fld id="{5D037FE7-D7D4-44C9-BE9D-AB57904CB883}" type="datetimeFigureOut">
               <a:rPr lang="zh-TW" altLang="en-US" smtClean="0"/>
-              <a:t>2023/12/12</a:t>
+              <a:t>2023/12/13</a:t>
             </a:fld>
             <a:endParaRPr lang="zh-TW" altLang="en-US"/>
           </a:p>
@@ -1365,7 +1884,7 @@
           <a:p>
             <a:fld id="{5D037FE7-D7D4-44C9-BE9D-AB57904CB883}" type="datetimeFigureOut">
               <a:rPr lang="zh-TW" altLang="en-US" smtClean="0"/>
-              <a:t>2023/12/12</a:t>
+              <a:t>2023/12/13</a:t>
             </a:fld>
             <a:endParaRPr lang="zh-TW" altLang="en-US"/>
           </a:p>
@@ -1573,7 +2092,7 @@
           <a:p>
             <a:fld id="{5D037FE7-D7D4-44C9-BE9D-AB57904CB883}" type="datetimeFigureOut">
               <a:rPr lang="zh-TW" altLang="en-US" smtClean="0"/>
-              <a:t>2023/12/12</a:t>
+              <a:t>2023/12/13</a:t>
             </a:fld>
             <a:endParaRPr lang="zh-TW" altLang="en-US"/>
           </a:p>
@@ -1771,7 +2290,7 @@
           <a:p>
             <a:fld id="{5D037FE7-D7D4-44C9-BE9D-AB57904CB883}" type="datetimeFigureOut">
               <a:rPr lang="zh-TW" altLang="en-US" smtClean="0"/>
-              <a:t>2023/12/12</a:t>
+              <a:t>2023/12/13</a:t>
             </a:fld>
             <a:endParaRPr lang="zh-TW" altLang="en-US"/>
           </a:p>
@@ -2046,7 +2565,7 @@
           <a:p>
             <a:fld id="{5D037FE7-D7D4-44C9-BE9D-AB57904CB883}" type="datetimeFigureOut">
               <a:rPr lang="zh-TW" altLang="en-US" smtClean="0"/>
-              <a:t>2023/12/12</a:t>
+              <a:t>2023/12/13</a:t>
             </a:fld>
             <a:endParaRPr lang="zh-TW" altLang="en-US"/>
           </a:p>
@@ -2311,7 +2830,7 @@
           <a:p>
             <a:fld id="{5D037FE7-D7D4-44C9-BE9D-AB57904CB883}" type="datetimeFigureOut">
               <a:rPr lang="zh-TW" altLang="en-US" smtClean="0"/>
-              <a:t>2023/12/12</a:t>
+              <a:t>2023/12/13</a:t>
             </a:fld>
             <a:endParaRPr lang="zh-TW" altLang="en-US"/>
           </a:p>
@@ -2723,7 +3242,7 @@
           <a:p>
             <a:fld id="{5D037FE7-D7D4-44C9-BE9D-AB57904CB883}" type="datetimeFigureOut">
               <a:rPr lang="zh-TW" altLang="en-US" smtClean="0"/>
-              <a:t>2023/12/12</a:t>
+              <a:t>2023/12/13</a:t>
             </a:fld>
             <a:endParaRPr lang="zh-TW" altLang="en-US"/>
           </a:p>
@@ -2864,7 +3383,7 @@
           <a:p>
             <a:fld id="{5D037FE7-D7D4-44C9-BE9D-AB57904CB883}" type="datetimeFigureOut">
               <a:rPr lang="zh-TW" altLang="en-US" smtClean="0"/>
-              <a:t>2023/12/12</a:t>
+              <a:t>2023/12/13</a:t>
             </a:fld>
             <a:endParaRPr lang="zh-TW" altLang="en-US"/>
           </a:p>
@@ -2977,7 +3496,7 @@
           <a:p>
             <a:fld id="{5D037FE7-D7D4-44C9-BE9D-AB57904CB883}" type="datetimeFigureOut">
               <a:rPr lang="zh-TW" altLang="en-US" smtClean="0"/>
-              <a:t>2023/12/12</a:t>
+              <a:t>2023/12/13</a:t>
             </a:fld>
             <a:endParaRPr lang="zh-TW" altLang="en-US"/>
           </a:p>
@@ -3288,7 +3807,7 @@
           <a:p>
             <a:fld id="{5D037FE7-D7D4-44C9-BE9D-AB57904CB883}" type="datetimeFigureOut">
               <a:rPr lang="zh-TW" altLang="en-US" smtClean="0"/>
-              <a:t>2023/12/12</a:t>
+              <a:t>2023/12/13</a:t>
             </a:fld>
             <a:endParaRPr lang="zh-TW" altLang="en-US"/>
           </a:p>
@@ -3576,7 +4095,7 @@
           <a:p>
             <a:fld id="{5D037FE7-D7D4-44C9-BE9D-AB57904CB883}" type="datetimeFigureOut">
               <a:rPr lang="zh-TW" altLang="en-US" smtClean="0"/>
-              <a:t>2023/12/12</a:t>
+              <a:t>2023/12/13</a:t>
             </a:fld>
             <a:endParaRPr lang="zh-TW" altLang="en-US"/>
           </a:p>
@@ -3817,7 +4336,7 @@
           <a:p>
             <a:fld id="{5D037FE7-D7D4-44C9-BE9D-AB57904CB883}" type="datetimeFigureOut">
               <a:rPr lang="zh-TW" altLang="en-US" smtClean="0"/>
-              <a:t>2023/12/12</a:t>
+              <a:t>2023/12/13</a:t>
             </a:fld>
             <a:endParaRPr lang="zh-TW" altLang="en-US"/>
           </a:p>
@@ -4498,7 +5017,7 @@
           </a:bodyPr>
           <a:lstStyle/>
           <a:p>
-            <a:endParaRPr lang="zh-TW" altLang="en-US"/>
+            <a:endParaRPr lang="zh-TW" altLang="en-US" dirty="0"/>
           </a:p>
         </p:txBody>
       </p:sp>
@@ -5020,7 +5539,7 @@
                 <a:latin typeface="微軟正黑體" panose="020B0604030504040204" pitchFamily="34" charset="-120"/>
                 <a:ea typeface="微軟正黑體" panose="020B0604030504040204" pitchFamily="34" charset="-120"/>
               </a:rPr>
-              <a:t>隨時獲取相關保健知識</a:t>
+              <a:t>隨時獲取相關保健知識、建議</a:t>
             </a:r>
             <a:endParaRPr lang="en-US" altLang="zh-TW" sz="2000" dirty="0">
               <a:latin typeface="微軟正黑體" panose="020B0604030504040204" pitchFamily="34" charset="-120"/>
@@ -6580,7 +7099,7 @@
           <a:lstStyle/>
           <a:p>
             <a:r>
-              <a:rPr lang="zh-TW" altLang="en-US" sz="4800" b="1">
+              <a:rPr lang="zh-TW" altLang="en-US" sz="4800" b="1" dirty="0">
                 <a:latin typeface="微軟正黑體" panose="020B0604030504040204" pitchFamily="34" charset="-120"/>
                 <a:ea typeface="微軟正黑體" panose="020B0604030504040204" pitchFamily="34" charset="-120"/>
               </a:rPr>
@@ -6629,8 +7148,42 @@
                 <a:latin typeface="微軟正黑體" panose="020B0604030504040204" pitchFamily="34" charset="-120"/>
                 <a:ea typeface="微軟正黑體" panose="020B0604030504040204" pitchFamily="34" charset="-120"/>
               </a:rPr>
-              <a:t>訂閱費用</a:t>
-            </a:r>
+              <a:t>訂閱費用 </a:t>
+            </a:r>
+            <a:r>
+              <a:rPr lang="en-US" altLang="zh-TW" sz="2400" dirty="0">
+                <a:latin typeface="微軟正黑體" panose="020B0604030504040204" pitchFamily="34" charset="-120"/>
+                <a:ea typeface="微軟正黑體" panose="020B0604030504040204" pitchFamily="34" charset="-120"/>
+              </a:rPr>
+              <a:t>:</a:t>
+            </a:r>
+            <a:r>
+              <a:rPr lang="zh-TW" altLang="en-US" sz="2400" dirty="0">
+                <a:latin typeface="微軟正黑體" panose="020B0604030504040204" pitchFamily="34" charset="-120"/>
+                <a:ea typeface="微軟正黑體" panose="020B0604030504040204" pitchFamily="34" charset="-120"/>
+              </a:rPr>
+              <a:t> 每月</a:t>
+            </a:r>
+            <a:r>
+              <a:rPr lang="en-US" altLang="zh-TW" sz="2400" dirty="0">
+                <a:latin typeface="微軟正黑體" panose="020B0604030504040204" pitchFamily="34" charset="-120"/>
+                <a:ea typeface="微軟正黑體" panose="020B0604030504040204" pitchFamily="34" charset="-120"/>
+              </a:rPr>
+              <a:t>60</a:t>
+            </a:r>
+            <a:r>
+              <a:rPr lang="zh-TW" altLang="en-US" sz="2400" dirty="0">
+                <a:latin typeface="微軟正黑體" panose="020B0604030504040204" pitchFamily="34" charset="-120"/>
+                <a:ea typeface="微軟正黑體" panose="020B0604030504040204" pitchFamily="34" charset="-120"/>
+              </a:rPr>
+              <a:t>元</a:t>
+            </a:r>
+            <a:endParaRPr lang="en-US" altLang="zh-TW" sz="2400" dirty="0">
+              <a:latin typeface="微軟正黑體" panose="020B0604030504040204" pitchFamily="34" charset="-120"/>
+              <a:ea typeface="微軟正黑體" panose="020B0604030504040204" pitchFamily="34" charset="-120"/>
+            </a:endParaRPr>
+          </a:p>
+          <a:p>
             <a:endParaRPr lang="en-US" altLang="zh-TW" sz="2400" dirty="0">
               <a:latin typeface="微軟正黑體" panose="020B0604030504040204" pitchFamily="34" charset="-120"/>
               <a:ea typeface="微軟正黑體" panose="020B0604030504040204" pitchFamily="34" charset="-120"/>
@@ -6662,26 +7215,29 @@
                 <a:latin typeface="微軟正黑體" panose="020B0604030504040204" pitchFamily="34" charset="-120"/>
                 <a:ea typeface="微軟正黑體" panose="020B0604030504040204" pitchFamily="34" charset="-120"/>
               </a:rPr>
-              <a:t> </a:t>
+              <a:t> 約</a:t>
             </a:r>
             <a:r>
               <a:rPr lang="en-US" altLang="zh-TW" sz="2400" dirty="0">
                 <a:latin typeface="微軟正黑體" panose="020B0604030504040204" pitchFamily="34" charset="-120"/>
                 <a:ea typeface="微軟正黑體" panose="020B0604030504040204" pitchFamily="34" charset="-120"/>
               </a:rPr>
-              <a:t>?</a:t>
+              <a:t>7300</a:t>
             </a:r>
             <a:r>
               <a:rPr lang="zh-TW" altLang="en-US" sz="2400" dirty="0">
                 <a:latin typeface="微軟正黑體" panose="020B0604030504040204" pitchFamily="34" charset="-120"/>
                 <a:ea typeface="微軟正黑體" panose="020B0604030504040204" pitchFamily="34" charset="-120"/>
               </a:rPr>
-              <a:t> 毛利率</a:t>
-            </a:r>
-            <a:endParaRPr lang="en-US" altLang="zh-TW" sz="2400" dirty="0">
-              <a:latin typeface="微軟正黑體" panose="020B0604030504040204" pitchFamily="34" charset="-120"/>
-              <a:ea typeface="微軟正黑體" panose="020B0604030504040204" pitchFamily="34" charset="-120"/>
-            </a:endParaRPr>
+              <a:t>萬，毛利率約</a:t>
+            </a:r>
+            <a:r>
+              <a:rPr lang="en-US" altLang="zh-TW" sz="2400" dirty="0">
+                <a:latin typeface="微軟正黑體" panose="020B0604030504040204" pitchFamily="34" charset="-120"/>
+                <a:ea typeface="微軟正黑體" panose="020B0604030504040204" pitchFamily="34" charset="-120"/>
+              </a:rPr>
+              <a:t>40%</a:t>
+            </a:r>
           </a:p>
           <a:p>
             <a:endParaRPr lang="en-US" altLang="zh-TW" sz="2400" dirty="0"/>
@@ -6757,99 +7313,6 @@
 </file>
 
 <file path=ppt/slides/slide14.xml><?xml version="1.0" encoding="utf-8"?>
-<p:sld xmlns:a="http://schemas.openxmlformats.org/drawingml/2006/main" xmlns:r="http://schemas.openxmlformats.org/officeDocument/2006/relationships" xmlns:p="http://schemas.openxmlformats.org/presentationml/2006/main">
-  <p:cSld>
-    <p:spTree>
-      <p:nvGrpSpPr>
-        <p:cNvPr id="1" name=""/>
-        <p:cNvGrpSpPr/>
-        <p:nvPr/>
-      </p:nvGrpSpPr>
-      <p:grpSpPr>
-        <a:xfrm>
-          <a:off x="0" y="0"/>
-          <a:ext cx="0" cy="0"/>
-          <a:chOff x="0" y="0"/>
-          <a:chExt cx="0" cy="0"/>
-        </a:xfrm>
-      </p:grpSpPr>
-      <p:sp>
-        <p:nvSpPr>
-          <p:cNvPr id="2" name="標題 1">
-            <a:extLst>
-              <a:ext uri="{FF2B5EF4-FFF2-40B4-BE49-F238E27FC236}">
-                <a16:creationId xmlns:a16="http://schemas.microsoft.com/office/drawing/2014/main" id="{DFA9A488-DDEC-4987-382A-182D9D886720}"/>
-              </a:ext>
-            </a:extLst>
-          </p:cNvPr>
-          <p:cNvSpPr>
-            <a:spLocks noGrp="1"/>
-          </p:cNvSpPr>
-          <p:nvPr>
-            <p:ph type="title"/>
-          </p:nvPr>
-        </p:nvSpPr>
-        <p:spPr/>
-        <p:txBody>
-          <a:bodyPr/>
-          <a:lstStyle/>
-          <a:p>
-            <a:r>
-              <a:rPr lang="zh-TW" altLang="en-US" b="1" dirty="0">
-                <a:latin typeface="微軟正黑體" panose="020B0604030504040204" pitchFamily="34" charset="-120"/>
-                <a:ea typeface="微軟正黑體" panose="020B0604030504040204" pitchFamily="34" charset="-120"/>
-              </a:rPr>
-              <a:t>競爭者比較</a:t>
-            </a:r>
-          </a:p>
-        </p:txBody>
-      </p:sp>
-      <p:pic>
-        <p:nvPicPr>
-          <p:cNvPr id="4" name="內容版面配置區 3">
-            <a:extLst>
-              <a:ext uri="{FF2B5EF4-FFF2-40B4-BE49-F238E27FC236}">
-                <a16:creationId xmlns:a16="http://schemas.microsoft.com/office/drawing/2014/main" id="{8C143FE9-671E-1240-6FD0-6805D1DBB701}"/>
-              </a:ext>
-            </a:extLst>
-          </p:cNvPr>
-          <p:cNvPicPr>
-            <a:picLocks noGrp="1" noChangeAspect="1"/>
-          </p:cNvPicPr>
-          <p:nvPr>
-            <p:ph idx="1"/>
-          </p:nvPr>
-        </p:nvPicPr>
-        <p:blipFill>
-          <a:blip r:embed="rId2"/>
-          <a:stretch>
-            <a:fillRect/>
-          </a:stretch>
-        </p:blipFill>
-        <p:spPr>
-          <a:xfrm>
-            <a:off x="2862944" y="736826"/>
-            <a:ext cx="7641770" cy="5963648"/>
-          </a:xfrm>
-          <a:prstGeom prst="rect">
-            <a:avLst/>
-          </a:prstGeom>
-        </p:spPr>
-      </p:pic>
-    </p:spTree>
-    <p:extLst>
-      <p:ext uri="{BB962C8B-B14F-4D97-AF65-F5344CB8AC3E}">
-        <p14:creationId xmlns:p14="http://schemas.microsoft.com/office/powerpoint/2010/main" val="1789766772"/>
-      </p:ext>
-    </p:extLst>
-  </p:cSld>
-  <p:clrMapOvr>
-    <a:masterClrMapping/>
-  </p:clrMapOvr>
-</p:sld>
-</file>
-
-<file path=ppt/slides/slide15.xml><?xml version="1.0" encoding="utf-8"?>
 <p:sld xmlns:a="http://schemas.openxmlformats.org/drawingml/2006/main" xmlns:r="http://schemas.openxmlformats.org/officeDocument/2006/relationships" xmlns:p="http://schemas.openxmlformats.org/presentationml/2006/main">
   <p:cSld>
     <p:spTree>
@@ -7816,13 +8279,13 @@
         </p:nvSpPr>
         <p:spPr>
           <a:xfrm>
-            <a:off x="1045028" y="3744686"/>
-            <a:ext cx="9941319" cy="2397494"/>
+            <a:off x="1045028" y="3907970"/>
+            <a:ext cx="9941319" cy="2234209"/>
           </a:xfrm>
         </p:spPr>
         <p:txBody>
           <a:bodyPr anchor="ctr">
-            <a:normAutofit fontScale="92500" lnSpcReduction="20000"/>
+            <a:normAutofit/>
           </a:bodyPr>
           <a:lstStyle/>
           <a:p>
@@ -7980,29 +8443,6 @@
               <a:latin typeface="微軟正黑體" panose="020B0604030504040204" pitchFamily="34" charset="-120"/>
               <a:ea typeface="微軟正黑體" panose="020B0604030504040204" pitchFamily="34" charset="-120"/>
             </a:endParaRPr>
-          </a:p>
-          <a:p>
-            <a:r>
-              <a:rPr lang="en-US" altLang="zh-TW" sz="2000" dirty="0">
-                <a:latin typeface="微軟正黑體" panose="020B0604030504040204" pitchFamily="34" charset="-120"/>
-                <a:ea typeface="微軟正黑體" panose="020B0604030504040204" pitchFamily="34" charset="-120"/>
-              </a:rPr>
-              <a:t>(</a:t>
-            </a:r>
-            <a:r>
-              <a:rPr lang="zh-TW" altLang="en-US" sz="2000" dirty="0">
-                <a:latin typeface="微軟正黑體" panose="020B0604030504040204" pitchFamily="34" charset="-120"/>
-                <a:ea typeface="微軟正黑體" panose="020B0604030504040204" pitchFamily="34" charset="-120"/>
-              </a:rPr>
-              <a:t>關節、體態等健康問題已不容忽視</a:t>
-            </a:r>
-            <a:r>
-              <a:rPr lang="en-US" altLang="zh-TW" sz="2000" dirty="0">
-                <a:latin typeface="微軟正黑體" panose="020B0604030504040204" pitchFamily="34" charset="-120"/>
-                <a:ea typeface="微軟正黑體" panose="020B0604030504040204" pitchFamily="34" charset="-120"/>
-              </a:rPr>
-              <a:t>)</a:t>
-            </a:r>
           </a:p>
           <a:p>
             <a:endParaRPr lang="en-US" altLang="zh-TW" sz="2000" dirty="0"/>
@@ -8556,20 +8996,52 @@
         </p:nvSpPr>
         <p:spPr>
           <a:xfrm>
-            <a:off x="1289304" y="2902913"/>
-            <a:ext cx="9849751" cy="3032168"/>
+            <a:off x="1210516" y="2804512"/>
+            <a:ext cx="9849751" cy="3203973"/>
           </a:xfrm>
         </p:spPr>
         <p:txBody>
           <a:bodyPr anchor="ctr">
-            <a:normAutofit/>
+            <a:normAutofit fontScale="77500" lnSpcReduction="20000"/>
           </a:bodyPr>
           <a:lstStyle/>
           <a:p>
+            <a:pPr marL="457200" lvl="1" indent="0">
+              <a:buNone/>
+            </a:pPr>
+            <a:endParaRPr lang="en-US" altLang="zh-TW" sz="2000" dirty="0"/>
+          </a:p>
+          <a:p>
+            <a:r>
+              <a:rPr lang="zh-TW" altLang="en-US" sz="2400" dirty="0"/>
+              <a:t>問卷調查結果</a:t>
+            </a:r>
+            <a:r>
+              <a:rPr lang="en-US" altLang="zh-TW" sz="2400" dirty="0"/>
+              <a:t>:</a:t>
+            </a:r>
+          </a:p>
+          <a:p>
             <a:pPr lvl="1"/>
+            <a:endParaRPr lang="en-US" altLang="zh-TW" sz="2000" dirty="0"/>
+          </a:p>
+          <a:p>
+            <a:pPr lvl="1"/>
             <a:r>
               <a:rPr lang="zh-TW" altLang="en-US" sz="2000" dirty="0"/>
-              <a:t>問卷調查結果發現，以下兩種人占多數，合計</a:t>
+              <a:t>受試者認同關節問題對於健康來說是重要的</a:t>
+            </a:r>
+            <a:endParaRPr lang="en-US" altLang="zh-TW" sz="2000" dirty="0"/>
+          </a:p>
+          <a:p>
+            <a:pPr lvl="1"/>
+            <a:endParaRPr lang="en-US" altLang="zh-TW" sz="2000" dirty="0"/>
+          </a:p>
+          <a:p>
+            <a:pPr lvl="1"/>
+            <a:r>
+              <a:rPr lang="zh-TW" altLang="en-US" sz="2000" dirty="0"/>
+              <a:t>以下兩種人占多數，合計</a:t>
             </a:r>
             <a:r>
               <a:rPr lang="en-US" altLang="zh-TW" sz="2000" dirty="0"/>
@@ -8603,18 +9075,17 @@
             <a:endParaRPr lang="en-US" altLang="zh-TW" sz="2000" dirty="0"/>
           </a:p>
           <a:p>
+            <a:r>
+              <a:rPr lang="zh-TW" altLang="en-US" sz="2400" dirty="0"/>
+              <a:t>矛盾點</a:t>
+            </a:r>
+            <a:r>
+              <a:rPr lang="en-US" altLang="zh-TW" sz="2400" dirty="0"/>
+              <a:t>:</a:t>
+            </a:r>
+          </a:p>
+          <a:p>
             <a:pPr lvl="1"/>
-            <a:r>
-              <a:rPr lang="zh-TW" altLang="en-US" sz="2000" dirty="0"/>
-              <a:t>矛盾點</a:t>
-            </a:r>
-            <a:r>
-              <a:rPr lang="en-US" altLang="zh-TW" sz="2000" dirty="0"/>
-              <a:t>:</a:t>
-            </a:r>
-          </a:p>
-          <a:p>
-            <a:pPr lvl="2"/>
             <a:r>
               <a:rPr lang="zh-TW" altLang="en-US" dirty="0"/>
               <a:t>受試者整體認同關節問題對於健康的重要性</a:t>
@@ -8622,10 +9093,10 @@
             <a:endParaRPr lang="en-US" altLang="zh-TW" dirty="0"/>
           </a:p>
           <a:p>
-            <a:pPr lvl="2"/>
+            <a:pPr lvl="1"/>
             <a:r>
               <a:rPr lang="zh-TW" altLang="en-US" dirty="0"/>
-              <a:t>但卻不具備充足、基本的保健知識，平時也不會太主動補足這些知識</a:t>
+              <a:t>但卻不認為自己具備充分保健知識，且出現了不知道自己健康狀況的人</a:t>
             </a:r>
             <a:endParaRPr lang="en-US" altLang="zh-TW" dirty="0"/>
           </a:p>
@@ -8652,464 +9123,6 @@
 </file>
 
 <file path=ppt/slides/slide6.xml><?xml version="1.0" encoding="utf-8"?>
-<p:sld xmlns:a="http://schemas.openxmlformats.org/drawingml/2006/main" xmlns:r="http://schemas.openxmlformats.org/officeDocument/2006/relationships" xmlns:p="http://schemas.openxmlformats.org/presentationml/2006/main">
-  <p:cSld>
-    <p:bg>
-      <p:bgPr>
-        <a:solidFill>
-          <a:schemeClr val="bg1"/>
-        </a:solidFill>
-        <a:effectLst/>
-      </p:bgPr>
-    </p:bg>
-    <p:spTree>
-      <p:nvGrpSpPr>
-        <p:cNvPr id="1" name=""/>
-        <p:cNvGrpSpPr/>
-        <p:nvPr/>
-      </p:nvGrpSpPr>
-      <p:grpSpPr>
-        <a:xfrm>
-          <a:off x="0" y="0"/>
-          <a:ext cx="0" cy="0"/>
-          <a:chOff x="0" y="0"/>
-          <a:chExt cx="0" cy="0"/>
-        </a:xfrm>
-      </p:grpSpPr>
-      <p:sp>
-        <p:nvSpPr>
-          <p:cNvPr id="9" name="Rectangle 8">
-            <a:extLst>
-              <a:ext uri="{FF2B5EF4-FFF2-40B4-BE49-F238E27FC236}">
-                <a16:creationId xmlns:a16="http://schemas.microsoft.com/office/drawing/2014/main" id="{4C608BEB-860E-4094-8511-78603564A75E}"/>
-              </a:ext>
-              <a:ext uri="{C183D7F6-B498-43B3-948B-1728B52AA6E4}">
-                <adec:decorative xmlns:adec="http://schemas.microsoft.com/office/drawing/2017/decorative" val="1"/>
-              </a:ext>
-            </a:extLst>
-          </p:cNvPr>
-          <p:cNvSpPr>
-            <a:spLocks noGrp="1" noRot="1" noChangeAspect="1" noMove="1" noResize="1" noEditPoints="1" noAdjustHandles="1" noChangeArrowheads="1" noChangeShapeType="1" noTextEdit="1"/>
-          </p:cNvSpPr>
-          <p:nvPr>
-            <p:extLst>
-              <p:ext uri="{386F3935-93C4-4BCD-93E2-E3B085C9AB24}">
-                <p16:designElem xmlns:p16="http://schemas.microsoft.com/office/powerpoint/2015/main" val="1"/>
-              </p:ext>
-            </p:extLst>
-          </p:nvPr>
-        </p:nvSpPr>
-        <p:spPr>
-          <a:xfrm>
-            <a:off x="0" y="0"/>
-            <a:ext cx="4059050" cy="6858000"/>
-          </a:xfrm>
-          <a:prstGeom prst="rect">
-            <a:avLst/>
-          </a:prstGeom>
-          <a:solidFill>
-            <a:srgbClr val="404040"/>
-          </a:solidFill>
-          <a:ln>
-            <a:noFill/>
-          </a:ln>
-        </p:spPr>
-        <p:style>
-          <a:lnRef idx="2">
-            <a:schemeClr val="accent1">
-              <a:shade val="50000"/>
-            </a:schemeClr>
-          </a:lnRef>
-          <a:fillRef idx="1">
-            <a:schemeClr val="accent1"/>
-          </a:fillRef>
-          <a:effectRef idx="0">
-            <a:schemeClr val="accent1"/>
-          </a:effectRef>
-          <a:fontRef idx="minor">
-            <a:schemeClr val="lt1"/>
-          </a:fontRef>
-        </p:style>
-        <p:txBody>
-          <a:bodyPr rtlCol="0" anchor="ctr"/>
-          <a:lstStyle/>
-          <a:p>
-            <a:pPr marL="0" marR="0" lvl="0" indent="0" algn="ctr" defTabSz="914400" rtl="0" eaLnBrk="1" fontAlgn="auto" latinLnBrk="0" hangingPunct="1">
-              <a:lnSpc>
-                <a:spcPct val="100000"/>
-              </a:lnSpc>
-              <a:spcBef>
-                <a:spcPts val="0"/>
-              </a:spcBef>
-              <a:spcAft>
-                <a:spcPts val="0"/>
-              </a:spcAft>
-              <a:buClrTx/>
-              <a:buSzTx/>
-              <a:buFontTx/>
-              <a:buNone/>
-              <a:tabLst/>
-              <a:defRPr/>
-            </a:pPr>
-            <a:endParaRPr kumimoji="0" lang="en-US" sz="1800" b="0" i="0" u="none" strike="noStrike" kern="1200" cap="none" spc="0" normalizeH="0" baseline="0" noProof="0">
-              <a:ln>
-                <a:noFill/>
-              </a:ln>
-              <a:solidFill>
-                <a:prstClr val="white"/>
-              </a:solidFill>
-              <a:effectLst/>
-              <a:uLnTx/>
-              <a:uFillTx/>
-              <a:latin typeface="Calibri" panose="020F0502020204030204"/>
-              <a:ea typeface="+mn-ea"/>
-              <a:cs typeface="+mn-cs"/>
-            </a:endParaRPr>
-          </a:p>
-        </p:txBody>
-      </p:sp>
-      <p:sp>
-        <p:nvSpPr>
-          <p:cNvPr id="2" name="標題 1">
-            <a:extLst>
-              <a:ext uri="{FF2B5EF4-FFF2-40B4-BE49-F238E27FC236}">
-                <a16:creationId xmlns:a16="http://schemas.microsoft.com/office/drawing/2014/main" id="{29F4D143-CCA3-4C4A-25FB-C7209112ACF3}"/>
-              </a:ext>
-            </a:extLst>
-          </p:cNvPr>
-          <p:cNvSpPr>
-            <a:spLocks noGrp="1"/>
-          </p:cNvSpPr>
-          <p:nvPr>
-            <p:ph type="title"/>
-          </p:nvPr>
-        </p:nvSpPr>
-        <p:spPr>
-          <a:xfrm>
-            <a:off x="542696" y="1412488"/>
-            <a:ext cx="3516354" cy="4363844"/>
-          </a:xfrm>
-        </p:spPr>
-        <p:txBody>
-          <a:bodyPr vert="horz" lIns="91440" tIns="45720" rIns="91440" bIns="45720" rtlCol="0" anchor="t">
-            <a:normAutofit/>
-          </a:bodyPr>
-          <a:lstStyle/>
-          <a:p>
-            <a:r>
-              <a:rPr lang="zh-TW" altLang="en-US" sz="4000" b="1" kern="1200" dirty="0">
-                <a:solidFill>
-                  <a:srgbClr val="FFFFFF"/>
-                </a:solidFill>
-                <a:latin typeface="+mj-lt"/>
-                <a:ea typeface="+mj-ea"/>
-                <a:cs typeface="+mj-cs"/>
-              </a:rPr>
-              <a:t>使用者面對的問題與需求</a:t>
-            </a:r>
-          </a:p>
-        </p:txBody>
-      </p:sp>
-      <p:sp>
-        <p:nvSpPr>
-          <p:cNvPr id="3" name="內容版面配置區 2">
-            <a:extLst>
-              <a:ext uri="{FF2B5EF4-FFF2-40B4-BE49-F238E27FC236}">
-                <a16:creationId xmlns:a16="http://schemas.microsoft.com/office/drawing/2014/main" id="{C2594907-F511-6566-3959-517CC45D2FAC}"/>
-              </a:ext>
-            </a:extLst>
-          </p:cNvPr>
-          <p:cNvSpPr>
-            <a:spLocks noGrp="1"/>
-          </p:cNvSpPr>
-          <p:nvPr>
-            <p:ph idx="1"/>
-          </p:nvPr>
-        </p:nvSpPr>
-        <p:spPr>
-          <a:xfrm>
-            <a:off x="4380855" y="1412489"/>
-            <a:ext cx="3427283" cy="4363844"/>
-          </a:xfrm>
-        </p:spPr>
-        <p:txBody>
-          <a:bodyPr vert="horz" lIns="91440" tIns="45720" rIns="91440" bIns="45720" rtlCol="0">
-            <a:normAutofit/>
-          </a:bodyPr>
-          <a:lstStyle/>
-          <a:p>
-            <a:r>
-              <a:rPr lang="zh-TW" altLang="en-US" sz="2000" dirty="0">
-                <a:latin typeface="微軟正黑體" panose="020B0604030504040204" pitchFamily="34" charset="-120"/>
-                <a:ea typeface="微軟正黑體" panose="020B0604030504040204" pitchFamily="34" charset="-120"/>
-              </a:rPr>
-              <a:t>問題</a:t>
-            </a:r>
-            <a:r>
-              <a:rPr lang="en-US" altLang="zh-TW" sz="2000" dirty="0">
-                <a:latin typeface="微軟正黑體" panose="020B0604030504040204" pitchFamily="34" charset="-120"/>
-                <a:ea typeface="微軟正黑體" panose="020B0604030504040204" pitchFamily="34" charset="-120"/>
-              </a:rPr>
-              <a:t>:</a:t>
-            </a:r>
-          </a:p>
-          <a:p>
-            <a:endParaRPr lang="en-US" altLang="zh-TW" sz="2000" dirty="0">
-              <a:latin typeface="微軟正黑體" panose="020B0604030504040204" pitchFamily="34" charset="-120"/>
-              <a:ea typeface="微軟正黑體" panose="020B0604030504040204" pitchFamily="34" charset="-120"/>
-            </a:endParaRPr>
-          </a:p>
-          <a:p>
-            <a:pPr lvl="1"/>
-            <a:r>
-              <a:rPr lang="zh-TW" altLang="en-US" sz="2000" dirty="0">
-                <a:latin typeface="微軟正黑體" panose="020B0604030504040204" pitchFamily="34" charset="-120"/>
-                <a:ea typeface="微軟正黑體" panose="020B0604030504040204" pitchFamily="34" charset="-120"/>
-              </a:rPr>
-              <a:t>關節、體態問題攀升</a:t>
-            </a:r>
-            <a:endParaRPr lang="en-US" altLang="zh-TW" sz="2000" dirty="0">
-              <a:latin typeface="微軟正黑體" panose="020B0604030504040204" pitchFamily="34" charset="-120"/>
-              <a:ea typeface="微軟正黑體" panose="020B0604030504040204" pitchFamily="34" charset="-120"/>
-            </a:endParaRPr>
-          </a:p>
-          <a:p>
-            <a:pPr lvl="1"/>
-            <a:endParaRPr lang="en-US" altLang="zh-TW" sz="2000" dirty="0">
-              <a:latin typeface="微軟正黑體" panose="020B0604030504040204" pitchFamily="34" charset="-120"/>
-              <a:ea typeface="微軟正黑體" panose="020B0604030504040204" pitchFamily="34" charset="-120"/>
-            </a:endParaRPr>
-          </a:p>
-          <a:p>
-            <a:pPr lvl="1"/>
-            <a:r>
-              <a:rPr lang="zh-TW" altLang="en-US" sz="2000" dirty="0">
-                <a:latin typeface="微軟正黑體" panose="020B0604030504040204" pitchFamily="34" charset="-120"/>
-                <a:ea typeface="微軟正黑體" panose="020B0604030504040204" pitchFamily="34" charset="-120"/>
-              </a:rPr>
-              <a:t>對自身健康狀況不了解</a:t>
-            </a:r>
-            <a:endParaRPr lang="en-US" altLang="zh-TW" sz="2000" dirty="0">
-              <a:latin typeface="微軟正黑體" panose="020B0604030504040204" pitchFamily="34" charset="-120"/>
-              <a:ea typeface="微軟正黑體" panose="020B0604030504040204" pitchFamily="34" charset="-120"/>
-            </a:endParaRPr>
-          </a:p>
-          <a:p>
-            <a:pPr lvl="1"/>
-            <a:endParaRPr lang="en-US" altLang="zh-TW" sz="2000" dirty="0">
-              <a:latin typeface="微軟正黑體" panose="020B0604030504040204" pitchFamily="34" charset="-120"/>
-              <a:ea typeface="微軟正黑體" panose="020B0604030504040204" pitchFamily="34" charset="-120"/>
-            </a:endParaRPr>
-          </a:p>
-          <a:p>
-            <a:pPr lvl="1"/>
-            <a:r>
-              <a:rPr lang="zh-TW" altLang="en-US" sz="2000" dirty="0">
-                <a:latin typeface="微軟正黑體" panose="020B0604030504040204" pitchFamily="34" charset="-120"/>
-                <a:ea typeface="微軟正黑體" panose="020B0604030504040204" pitchFamily="34" charset="-120"/>
-              </a:rPr>
-              <a:t>缺乏充足的保健知識或即時的建議</a:t>
-            </a:r>
-          </a:p>
-        </p:txBody>
-      </p:sp>
-      <p:cxnSp>
-        <p:nvCxnSpPr>
-          <p:cNvPr id="11" name="Straight Connector 10">
-            <a:extLst>
-              <a:ext uri="{FF2B5EF4-FFF2-40B4-BE49-F238E27FC236}">
-                <a16:creationId xmlns:a16="http://schemas.microsoft.com/office/drawing/2014/main" id="{1F16A8D4-FE87-4604-88B2-394B5D1EB437}"/>
-              </a:ext>
-              <a:ext uri="{C183D7F6-B498-43B3-948B-1728B52AA6E4}">
-                <adec:decorative xmlns:adec="http://schemas.microsoft.com/office/drawing/2017/decorative" val="1"/>
-              </a:ext>
-            </a:extLst>
-          </p:cNvPr>
-          <p:cNvCxnSpPr>
-            <a:cxnSpLocks noGrp="1" noRot="1" noChangeAspect="1" noMove="1" noResize="1" noEditPoints="1" noAdjustHandles="1" noChangeArrowheads="1" noChangeShapeType="1"/>
-          </p:cNvCxnSpPr>
-          <p:nvPr>
-            <p:extLst>
-              <p:ext uri="{386F3935-93C4-4BCD-93E2-E3B085C9AB24}">
-                <p16:designElem xmlns:p16="http://schemas.microsoft.com/office/powerpoint/2015/main" val="1"/>
-              </p:ext>
-            </p:extLst>
-          </p:nvPr>
-        </p:nvCxnSpPr>
-        <p:spPr>
-          <a:xfrm>
-            <a:off x="8129871" y="1412488"/>
-            <a:ext cx="0" cy="3657600"/>
-          </a:xfrm>
-          <a:prstGeom prst="line">
-            <a:avLst/>
-          </a:prstGeom>
-          <a:ln w="12700">
-            <a:solidFill>
-              <a:schemeClr val="tx1">
-                <a:lumMod val="50000"/>
-                <a:lumOff val="50000"/>
-              </a:schemeClr>
-            </a:solidFill>
-          </a:ln>
-        </p:spPr>
-        <p:style>
-          <a:lnRef idx="1">
-            <a:schemeClr val="accent1"/>
-          </a:lnRef>
-          <a:fillRef idx="0">
-            <a:schemeClr val="accent1"/>
-          </a:fillRef>
-          <a:effectRef idx="0">
-            <a:schemeClr val="accent1"/>
-          </a:effectRef>
-          <a:fontRef idx="minor">
-            <a:schemeClr val="tx1"/>
-          </a:fontRef>
-        </p:style>
-      </p:cxnSp>
-      <p:sp>
-        <p:nvSpPr>
-          <p:cNvPr id="4" name="文字方塊 3">
-            <a:extLst>
-              <a:ext uri="{FF2B5EF4-FFF2-40B4-BE49-F238E27FC236}">
-                <a16:creationId xmlns:a16="http://schemas.microsoft.com/office/drawing/2014/main" id="{218AE936-31B5-86E3-4FB7-C810610FB5EE}"/>
-              </a:ext>
-            </a:extLst>
-          </p:cNvPr>
-          <p:cNvSpPr txBox="1"/>
-          <p:nvPr/>
-        </p:nvSpPr>
-        <p:spPr>
-          <a:xfrm>
-            <a:off x="8451604" y="1412489"/>
-            <a:ext cx="3197701" cy="4363844"/>
-          </a:xfrm>
-          <a:prstGeom prst="rect">
-            <a:avLst/>
-          </a:prstGeom>
-        </p:spPr>
-        <p:txBody>
-          <a:bodyPr vert="horz" lIns="91440" tIns="45720" rIns="91440" bIns="45720" rtlCol="0">
-            <a:normAutofit/>
-          </a:bodyPr>
-          <a:lstStyle/>
-          <a:p>
-            <a:pPr marL="285750" indent="-228600">
-              <a:lnSpc>
-                <a:spcPct val="90000"/>
-              </a:lnSpc>
-              <a:spcAft>
-                <a:spcPts val="600"/>
-              </a:spcAft>
-              <a:buFont typeface="Arial" panose="020B0604020202020204" pitchFamily="34" charset="0"/>
-              <a:buChar char="•"/>
-            </a:pPr>
-            <a:r>
-              <a:rPr lang="zh-TW" altLang="en-US" sz="2000" dirty="0">
-                <a:latin typeface="微軟正黑體" panose="020B0604030504040204" pitchFamily="34" charset="-120"/>
-                <a:ea typeface="微軟正黑體" panose="020B0604030504040204" pitchFamily="34" charset="-120"/>
-              </a:rPr>
-              <a:t>需求</a:t>
-            </a:r>
-            <a:r>
-              <a:rPr lang="en-US" altLang="zh-TW" sz="2000" dirty="0">
-                <a:latin typeface="微軟正黑體" panose="020B0604030504040204" pitchFamily="34" charset="-120"/>
-                <a:ea typeface="微軟正黑體" panose="020B0604030504040204" pitchFamily="34" charset="-120"/>
-              </a:rPr>
-              <a:t>:</a:t>
-            </a:r>
-          </a:p>
-          <a:p>
-            <a:pPr marL="742950" lvl="1" indent="-228600">
-              <a:lnSpc>
-                <a:spcPct val="90000"/>
-              </a:lnSpc>
-              <a:spcAft>
-                <a:spcPts val="600"/>
-              </a:spcAft>
-              <a:buFont typeface="Arial" panose="020B0604020202020204" pitchFamily="34" charset="0"/>
-              <a:buChar char="•"/>
-            </a:pPr>
-            <a:endParaRPr lang="en-US" altLang="zh-TW" sz="2000" dirty="0">
-              <a:latin typeface="微軟正黑體" panose="020B0604030504040204" pitchFamily="34" charset="-120"/>
-              <a:ea typeface="微軟正黑體" panose="020B0604030504040204" pitchFamily="34" charset="-120"/>
-            </a:endParaRPr>
-          </a:p>
-          <a:p>
-            <a:pPr marL="742950" lvl="1" indent="-228600">
-              <a:lnSpc>
-                <a:spcPct val="90000"/>
-              </a:lnSpc>
-              <a:spcAft>
-                <a:spcPts val="600"/>
-              </a:spcAft>
-              <a:buFont typeface="Arial" panose="020B0604020202020204" pitchFamily="34" charset="0"/>
-              <a:buChar char="•"/>
-            </a:pPr>
-            <a:r>
-              <a:rPr lang="zh-TW" altLang="en-US" sz="2000" dirty="0">
-                <a:latin typeface="微軟正黑體" panose="020B0604030504040204" pitchFamily="34" charset="-120"/>
-                <a:ea typeface="微軟正黑體" panose="020B0604030504040204" pitchFamily="34" charset="-120"/>
-              </a:rPr>
-              <a:t>及時發現問題，避免惡化</a:t>
-            </a:r>
-            <a:endParaRPr lang="en-US" altLang="zh-TW" sz="2000" dirty="0">
-              <a:latin typeface="微軟正黑體" panose="020B0604030504040204" pitchFamily="34" charset="-120"/>
-              <a:ea typeface="微軟正黑體" panose="020B0604030504040204" pitchFamily="34" charset="-120"/>
-            </a:endParaRPr>
-          </a:p>
-          <a:p>
-            <a:pPr marL="742950" lvl="1" indent="-228600">
-              <a:lnSpc>
-                <a:spcPct val="90000"/>
-              </a:lnSpc>
-              <a:spcAft>
-                <a:spcPts val="600"/>
-              </a:spcAft>
-              <a:buFont typeface="Arial" panose="020B0604020202020204" pitchFamily="34" charset="0"/>
-              <a:buChar char="•"/>
-            </a:pPr>
-            <a:endParaRPr lang="en-US" altLang="zh-TW" sz="2000" dirty="0">
-              <a:latin typeface="微軟正黑體" panose="020B0604030504040204" pitchFamily="34" charset="-120"/>
-              <a:ea typeface="微軟正黑體" panose="020B0604030504040204" pitchFamily="34" charset="-120"/>
-            </a:endParaRPr>
-          </a:p>
-          <a:p>
-            <a:pPr marL="742950" lvl="1" indent="-228600">
-              <a:lnSpc>
-                <a:spcPct val="90000"/>
-              </a:lnSpc>
-              <a:spcAft>
-                <a:spcPts val="600"/>
-              </a:spcAft>
-              <a:buFont typeface="Arial" panose="020B0604020202020204" pitchFamily="34" charset="0"/>
-              <a:buChar char="•"/>
-            </a:pPr>
-            <a:r>
-              <a:rPr lang="zh-TW" altLang="en-US" sz="2000" dirty="0">
-                <a:latin typeface="微軟正黑體" panose="020B0604030504040204" pitchFamily="34" charset="-120"/>
-                <a:ea typeface="微軟正黑體" panose="020B0604030504040204" pitchFamily="34" charset="-120"/>
-              </a:rPr>
-              <a:t>正確、及時的基本保健知識</a:t>
-            </a:r>
-          </a:p>
-        </p:txBody>
-      </p:sp>
-    </p:spTree>
-    <p:extLst>
-      <p:ext uri="{BB962C8B-B14F-4D97-AF65-F5344CB8AC3E}">
-        <p14:creationId xmlns:p14="http://schemas.microsoft.com/office/powerpoint/2010/main" val="3016596021"/>
-      </p:ext>
-    </p:extLst>
-  </p:cSld>
-  <p:clrMapOvr>
-    <a:masterClrMapping/>
-  </p:clrMapOvr>
-</p:sld>
-</file>
-
-<file path=ppt/slides/slide7.xml><?xml version="1.0" encoding="utf-8"?>
 <p:sld xmlns:a="http://schemas.openxmlformats.org/drawingml/2006/main" xmlns:r="http://schemas.openxmlformats.org/officeDocument/2006/relationships" xmlns:p="http://schemas.openxmlformats.org/presentationml/2006/main">
   <p:cSld>
     <p:bg>
@@ -9547,7 +9560,7 @@
                 <a:latin typeface="微軟正黑體" panose="020B0604030504040204" pitchFamily="34" charset="-120"/>
                 <a:ea typeface="微軟正黑體" panose="020B0604030504040204" pitchFamily="34" charset="-120"/>
               </a:rPr>
-              <a:t>市面上方便大眾居家檢驗、了解自身關節、體態情況的產品相當稀少</a:t>
+              <a:t>市面針對身關節、體態情況的產品相當稀少</a:t>
             </a:r>
             <a:endParaRPr lang="en-US" altLang="zh-TW" sz="2400" dirty="0">
               <a:latin typeface="微軟正黑體" panose="020B0604030504040204" pitchFamily="34" charset="-120"/>
@@ -9555,7 +9568,9 @@
             </a:endParaRPr>
           </a:p>
           <a:p>
-            <a:pPr lvl="1"/>
+            <a:pPr marL="457200" lvl="1" indent="0">
+              <a:buNone/>
+            </a:pPr>
             <a:endParaRPr lang="en-US" altLang="zh-TW" dirty="0">
               <a:latin typeface="微軟正黑體" panose="020B0604030504040204" pitchFamily="34" charset="-120"/>
               <a:ea typeface="微軟正黑體" panose="020B0604030504040204" pitchFamily="34" charset="-120"/>
@@ -9569,6 +9584,20 @@
                 <a:ea typeface="微軟正黑體" panose="020B0604030504040204" pitchFamily="34" charset="-120"/>
               </a:rPr>
               <a:t>需特定醫院、診所授權才能使用</a:t>
+            </a:r>
+            <a:endParaRPr lang="en-US" altLang="zh-TW" dirty="0">
+              <a:latin typeface="微軟正黑體" panose="020B0604030504040204" pitchFamily="34" charset="-120"/>
+              <a:ea typeface="微軟正黑體" panose="020B0604030504040204" pitchFamily="34" charset="-120"/>
+            </a:endParaRPr>
+          </a:p>
+          <a:p>
+            <a:pPr lvl="1"/>
+            <a:r>
+              <a:rPr lang="zh-TW" altLang="en-US" dirty="0">
+                <a:latin typeface="微軟正黑體" panose="020B0604030504040204" pitchFamily="34" charset="-120"/>
+                <a:ea typeface="微軟正黑體" panose="020B0604030504040204" pitchFamily="34" charset="-120"/>
+              </a:rPr>
+              <a:t>僅提供伸展運動</a:t>
             </a:r>
             <a:endParaRPr lang="en-US" altLang="zh-TW" dirty="0">
               <a:latin typeface="微軟正黑體" panose="020B0604030504040204" pitchFamily="34" charset="-120"/>
@@ -9684,7 +9713,7 @@
 </p:sld>
 </file>
 
-<file path=ppt/slides/slide8.xml><?xml version="1.0" encoding="utf-8"?>
+<file path=ppt/slides/slide7.xml><?xml version="1.0" encoding="utf-8"?>
 <p:sld xmlns:a="http://schemas.openxmlformats.org/drawingml/2006/main" xmlns:r="http://schemas.openxmlformats.org/officeDocument/2006/relationships" xmlns:p="http://schemas.openxmlformats.org/presentationml/2006/main">
   <p:cSld>
     <p:bg>
@@ -10181,6 +10210,464 @@
     <p:extLst>
       <p:ext uri="{BB962C8B-B14F-4D97-AF65-F5344CB8AC3E}">
         <p14:creationId xmlns:p14="http://schemas.microsoft.com/office/powerpoint/2010/main" val="209587823"/>
+      </p:ext>
+    </p:extLst>
+  </p:cSld>
+  <p:clrMapOvr>
+    <a:masterClrMapping/>
+  </p:clrMapOvr>
+</p:sld>
+</file>
+
+<file path=ppt/slides/slide8.xml><?xml version="1.0" encoding="utf-8"?>
+<p:sld xmlns:a="http://schemas.openxmlformats.org/drawingml/2006/main" xmlns:r="http://schemas.openxmlformats.org/officeDocument/2006/relationships" xmlns:p="http://schemas.openxmlformats.org/presentationml/2006/main">
+  <p:cSld>
+    <p:bg>
+      <p:bgPr>
+        <a:solidFill>
+          <a:schemeClr val="bg1"/>
+        </a:solidFill>
+        <a:effectLst/>
+      </p:bgPr>
+    </p:bg>
+    <p:spTree>
+      <p:nvGrpSpPr>
+        <p:cNvPr id="1" name=""/>
+        <p:cNvGrpSpPr/>
+        <p:nvPr/>
+      </p:nvGrpSpPr>
+      <p:grpSpPr>
+        <a:xfrm>
+          <a:off x="0" y="0"/>
+          <a:ext cx="0" cy="0"/>
+          <a:chOff x="0" y="0"/>
+          <a:chExt cx="0" cy="0"/>
+        </a:xfrm>
+      </p:grpSpPr>
+      <p:sp>
+        <p:nvSpPr>
+          <p:cNvPr id="9" name="Rectangle 8">
+            <a:extLst>
+              <a:ext uri="{FF2B5EF4-FFF2-40B4-BE49-F238E27FC236}">
+                <a16:creationId xmlns:a16="http://schemas.microsoft.com/office/drawing/2014/main" id="{4C608BEB-860E-4094-8511-78603564A75E}"/>
+              </a:ext>
+              <a:ext uri="{C183D7F6-B498-43B3-948B-1728B52AA6E4}">
+                <adec:decorative xmlns:adec="http://schemas.microsoft.com/office/drawing/2017/decorative" val="1"/>
+              </a:ext>
+            </a:extLst>
+          </p:cNvPr>
+          <p:cNvSpPr>
+            <a:spLocks noGrp="1" noRot="1" noChangeAspect="1" noMove="1" noResize="1" noEditPoints="1" noAdjustHandles="1" noChangeArrowheads="1" noChangeShapeType="1" noTextEdit="1"/>
+          </p:cNvSpPr>
+          <p:nvPr>
+            <p:extLst>
+              <p:ext uri="{386F3935-93C4-4BCD-93E2-E3B085C9AB24}">
+                <p16:designElem xmlns:p16="http://schemas.microsoft.com/office/powerpoint/2015/main" val="1"/>
+              </p:ext>
+            </p:extLst>
+          </p:nvPr>
+        </p:nvSpPr>
+        <p:spPr>
+          <a:xfrm>
+            <a:off x="0" y="0"/>
+            <a:ext cx="4059050" cy="6858000"/>
+          </a:xfrm>
+          <a:prstGeom prst="rect">
+            <a:avLst/>
+          </a:prstGeom>
+          <a:solidFill>
+            <a:srgbClr val="404040"/>
+          </a:solidFill>
+          <a:ln>
+            <a:noFill/>
+          </a:ln>
+        </p:spPr>
+        <p:style>
+          <a:lnRef idx="2">
+            <a:schemeClr val="accent1">
+              <a:shade val="50000"/>
+            </a:schemeClr>
+          </a:lnRef>
+          <a:fillRef idx="1">
+            <a:schemeClr val="accent1"/>
+          </a:fillRef>
+          <a:effectRef idx="0">
+            <a:schemeClr val="accent1"/>
+          </a:effectRef>
+          <a:fontRef idx="minor">
+            <a:schemeClr val="lt1"/>
+          </a:fontRef>
+        </p:style>
+        <p:txBody>
+          <a:bodyPr rtlCol="0" anchor="ctr"/>
+          <a:lstStyle/>
+          <a:p>
+            <a:pPr marL="0" marR="0" lvl="0" indent="0" algn="ctr" defTabSz="914400" rtl="0" eaLnBrk="1" fontAlgn="auto" latinLnBrk="0" hangingPunct="1">
+              <a:lnSpc>
+                <a:spcPct val="100000"/>
+              </a:lnSpc>
+              <a:spcBef>
+                <a:spcPts val="0"/>
+              </a:spcBef>
+              <a:spcAft>
+                <a:spcPts val="0"/>
+              </a:spcAft>
+              <a:buClrTx/>
+              <a:buSzTx/>
+              <a:buFontTx/>
+              <a:buNone/>
+              <a:tabLst/>
+              <a:defRPr/>
+            </a:pPr>
+            <a:endParaRPr kumimoji="0" lang="en-US" sz="1800" b="0" i="0" u="none" strike="noStrike" kern="1200" cap="none" spc="0" normalizeH="0" baseline="0" noProof="0">
+              <a:ln>
+                <a:noFill/>
+              </a:ln>
+              <a:solidFill>
+                <a:prstClr val="white"/>
+              </a:solidFill>
+              <a:effectLst/>
+              <a:uLnTx/>
+              <a:uFillTx/>
+              <a:latin typeface="Calibri" panose="020F0502020204030204"/>
+              <a:ea typeface="+mn-ea"/>
+              <a:cs typeface="+mn-cs"/>
+            </a:endParaRPr>
+          </a:p>
+        </p:txBody>
+      </p:sp>
+      <p:sp>
+        <p:nvSpPr>
+          <p:cNvPr id="2" name="標題 1">
+            <a:extLst>
+              <a:ext uri="{FF2B5EF4-FFF2-40B4-BE49-F238E27FC236}">
+                <a16:creationId xmlns:a16="http://schemas.microsoft.com/office/drawing/2014/main" id="{29F4D143-CCA3-4C4A-25FB-C7209112ACF3}"/>
+              </a:ext>
+            </a:extLst>
+          </p:cNvPr>
+          <p:cNvSpPr>
+            <a:spLocks noGrp="1"/>
+          </p:cNvSpPr>
+          <p:nvPr>
+            <p:ph type="title"/>
+          </p:nvPr>
+        </p:nvSpPr>
+        <p:spPr>
+          <a:xfrm>
+            <a:off x="542696" y="1412488"/>
+            <a:ext cx="3516354" cy="4363844"/>
+          </a:xfrm>
+        </p:spPr>
+        <p:txBody>
+          <a:bodyPr vert="horz" lIns="91440" tIns="45720" rIns="91440" bIns="45720" rtlCol="0" anchor="t">
+            <a:normAutofit/>
+          </a:bodyPr>
+          <a:lstStyle/>
+          <a:p>
+            <a:r>
+              <a:rPr lang="zh-TW" altLang="en-US" sz="4000" b="1" kern="1200" dirty="0">
+                <a:solidFill>
+                  <a:srgbClr val="FFFFFF"/>
+                </a:solidFill>
+                <a:latin typeface="+mj-lt"/>
+                <a:ea typeface="+mj-ea"/>
+                <a:cs typeface="+mj-cs"/>
+              </a:rPr>
+              <a:t>使用者面對的問題與需求</a:t>
+            </a:r>
+          </a:p>
+        </p:txBody>
+      </p:sp>
+      <p:sp>
+        <p:nvSpPr>
+          <p:cNvPr id="3" name="內容版面配置區 2">
+            <a:extLst>
+              <a:ext uri="{FF2B5EF4-FFF2-40B4-BE49-F238E27FC236}">
+                <a16:creationId xmlns:a16="http://schemas.microsoft.com/office/drawing/2014/main" id="{C2594907-F511-6566-3959-517CC45D2FAC}"/>
+              </a:ext>
+            </a:extLst>
+          </p:cNvPr>
+          <p:cNvSpPr>
+            <a:spLocks noGrp="1"/>
+          </p:cNvSpPr>
+          <p:nvPr>
+            <p:ph idx="1"/>
+          </p:nvPr>
+        </p:nvSpPr>
+        <p:spPr>
+          <a:xfrm>
+            <a:off x="4380855" y="1412489"/>
+            <a:ext cx="3427283" cy="4363844"/>
+          </a:xfrm>
+        </p:spPr>
+        <p:txBody>
+          <a:bodyPr vert="horz" lIns="91440" tIns="45720" rIns="91440" bIns="45720" rtlCol="0">
+            <a:normAutofit/>
+          </a:bodyPr>
+          <a:lstStyle/>
+          <a:p>
+            <a:r>
+              <a:rPr lang="zh-TW" altLang="en-US" sz="2000" dirty="0">
+                <a:latin typeface="微軟正黑體" panose="020B0604030504040204" pitchFamily="34" charset="-120"/>
+                <a:ea typeface="微軟正黑體" panose="020B0604030504040204" pitchFamily="34" charset="-120"/>
+              </a:rPr>
+              <a:t>問題</a:t>
+            </a:r>
+            <a:r>
+              <a:rPr lang="en-US" altLang="zh-TW" sz="2000" dirty="0">
+                <a:latin typeface="微軟正黑體" panose="020B0604030504040204" pitchFamily="34" charset="-120"/>
+                <a:ea typeface="微軟正黑體" panose="020B0604030504040204" pitchFamily="34" charset="-120"/>
+              </a:rPr>
+              <a:t>:</a:t>
+            </a:r>
+          </a:p>
+          <a:p>
+            <a:endParaRPr lang="en-US" altLang="zh-TW" sz="2000" dirty="0">
+              <a:latin typeface="微軟正黑體" panose="020B0604030504040204" pitchFamily="34" charset="-120"/>
+              <a:ea typeface="微軟正黑體" panose="020B0604030504040204" pitchFamily="34" charset="-120"/>
+            </a:endParaRPr>
+          </a:p>
+          <a:p>
+            <a:pPr lvl="1"/>
+            <a:r>
+              <a:rPr lang="zh-TW" altLang="en-US" sz="2000" dirty="0">
+                <a:latin typeface="微軟正黑體" panose="020B0604030504040204" pitchFamily="34" charset="-120"/>
+                <a:ea typeface="微軟正黑體" panose="020B0604030504040204" pitchFamily="34" charset="-120"/>
+              </a:rPr>
+              <a:t>關節、體態問題攀升</a:t>
+            </a:r>
+            <a:endParaRPr lang="en-US" altLang="zh-TW" sz="2000" dirty="0">
+              <a:latin typeface="微軟正黑體" panose="020B0604030504040204" pitchFamily="34" charset="-120"/>
+              <a:ea typeface="微軟正黑體" panose="020B0604030504040204" pitchFamily="34" charset="-120"/>
+            </a:endParaRPr>
+          </a:p>
+          <a:p>
+            <a:pPr lvl="1"/>
+            <a:endParaRPr lang="en-US" altLang="zh-TW" sz="2000" dirty="0">
+              <a:latin typeface="微軟正黑體" panose="020B0604030504040204" pitchFamily="34" charset="-120"/>
+              <a:ea typeface="微軟正黑體" panose="020B0604030504040204" pitchFamily="34" charset="-120"/>
+            </a:endParaRPr>
+          </a:p>
+          <a:p>
+            <a:pPr lvl="1"/>
+            <a:r>
+              <a:rPr lang="zh-TW" altLang="en-US" sz="2000" dirty="0">
+                <a:latin typeface="微軟正黑體" panose="020B0604030504040204" pitchFamily="34" charset="-120"/>
+                <a:ea typeface="微軟正黑體" panose="020B0604030504040204" pitchFamily="34" charset="-120"/>
+              </a:rPr>
+              <a:t>對自身健康狀況不了解</a:t>
+            </a:r>
+            <a:endParaRPr lang="en-US" altLang="zh-TW" sz="2000" dirty="0">
+              <a:latin typeface="微軟正黑體" panose="020B0604030504040204" pitchFamily="34" charset="-120"/>
+              <a:ea typeface="微軟正黑體" panose="020B0604030504040204" pitchFamily="34" charset="-120"/>
+            </a:endParaRPr>
+          </a:p>
+          <a:p>
+            <a:pPr lvl="1"/>
+            <a:endParaRPr lang="en-US" altLang="zh-TW" sz="2000" dirty="0">
+              <a:latin typeface="微軟正黑體" panose="020B0604030504040204" pitchFamily="34" charset="-120"/>
+              <a:ea typeface="微軟正黑體" panose="020B0604030504040204" pitchFamily="34" charset="-120"/>
+            </a:endParaRPr>
+          </a:p>
+          <a:p>
+            <a:pPr lvl="1"/>
+            <a:r>
+              <a:rPr lang="zh-TW" altLang="en-US" sz="2000" dirty="0">
+                <a:latin typeface="微軟正黑體" panose="020B0604030504040204" pitchFamily="34" charset="-120"/>
+                <a:ea typeface="微軟正黑體" panose="020B0604030504040204" pitchFamily="34" charset="-120"/>
+              </a:rPr>
+              <a:t>缺乏充足的保健知識或即時的建議</a:t>
+            </a:r>
+          </a:p>
+        </p:txBody>
+      </p:sp>
+      <p:cxnSp>
+        <p:nvCxnSpPr>
+          <p:cNvPr id="11" name="Straight Connector 10">
+            <a:extLst>
+              <a:ext uri="{FF2B5EF4-FFF2-40B4-BE49-F238E27FC236}">
+                <a16:creationId xmlns:a16="http://schemas.microsoft.com/office/drawing/2014/main" id="{1F16A8D4-FE87-4604-88B2-394B5D1EB437}"/>
+              </a:ext>
+              <a:ext uri="{C183D7F6-B498-43B3-948B-1728B52AA6E4}">
+                <adec:decorative xmlns:adec="http://schemas.microsoft.com/office/drawing/2017/decorative" val="1"/>
+              </a:ext>
+            </a:extLst>
+          </p:cNvPr>
+          <p:cNvCxnSpPr>
+            <a:cxnSpLocks noGrp="1" noRot="1" noChangeAspect="1" noMove="1" noResize="1" noEditPoints="1" noAdjustHandles="1" noChangeArrowheads="1" noChangeShapeType="1"/>
+          </p:cNvCxnSpPr>
+          <p:nvPr>
+            <p:extLst>
+              <p:ext uri="{386F3935-93C4-4BCD-93E2-E3B085C9AB24}">
+                <p16:designElem xmlns:p16="http://schemas.microsoft.com/office/powerpoint/2015/main" val="1"/>
+              </p:ext>
+            </p:extLst>
+          </p:nvPr>
+        </p:nvCxnSpPr>
+        <p:spPr>
+          <a:xfrm>
+            <a:off x="8129871" y="1412488"/>
+            <a:ext cx="0" cy="3657600"/>
+          </a:xfrm>
+          <a:prstGeom prst="line">
+            <a:avLst/>
+          </a:prstGeom>
+          <a:ln w="12700">
+            <a:solidFill>
+              <a:schemeClr val="tx1">
+                <a:lumMod val="50000"/>
+                <a:lumOff val="50000"/>
+              </a:schemeClr>
+            </a:solidFill>
+          </a:ln>
+        </p:spPr>
+        <p:style>
+          <a:lnRef idx="1">
+            <a:schemeClr val="accent1"/>
+          </a:lnRef>
+          <a:fillRef idx="0">
+            <a:schemeClr val="accent1"/>
+          </a:fillRef>
+          <a:effectRef idx="0">
+            <a:schemeClr val="accent1"/>
+          </a:effectRef>
+          <a:fontRef idx="minor">
+            <a:schemeClr val="tx1"/>
+          </a:fontRef>
+        </p:style>
+      </p:cxnSp>
+      <p:sp>
+        <p:nvSpPr>
+          <p:cNvPr id="4" name="文字方塊 3">
+            <a:extLst>
+              <a:ext uri="{FF2B5EF4-FFF2-40B4-BE49-F238E27FC236}">
+                <a16:creationId xmlns:a16="http://schemas.microsoft.com/office/drawing/2014/main" id="{218AE936-31B5-86E3-4FB7-C810610FB5EE}"/>
+              </a:ext>
+            </a:extLst>
+          </p:cNvPr>
+          <p:cNvSpPr txBox="1"/>
+          <p:nvPr/>
+        </p:nvSpPr>
+        <p:spPr>
+          <a:xfrm>
+            <a:off x="8451604" y="1412489"/>
+            <a:ext cx="3197701" cy="4363844"/>
+          </a:xfrm>
+          <a:prstGeom prst="rect">
+            <a:avLst/>
+          </a:prstGeom>
+        </p:spPr>
+        <p:txBody>
+          <a:bodyPr vert="horz" lIns="91440" tIns="45720" rIns="91440" bIns="45720" rtlCol="0">
+            <a:normAutofit/>
+          </a:bodyPr>
+          <a:lstStyle/>
+          <a:p>
+            <a:pPr marL="285750" indent="-228600">
+              <a:lnSpc>
+                <a:spcPct val="90000"/>
+              </a:lnSpc>
+              <a:spcAft>
+                <a:spcPts val="600"/>
+              </a:spcAft>
+              <a:buFont typeface="Arial" panose="020B0604020202020204" pitchFamily="34" charset="0"/>
+              <a:buChar char="•"/>
+            </a:pPr>
+            <a:r>
+              <a:rPr lang="zh-TW" altLang="en-US" sz="2000" dirty="0">
+                <a:latin typeface="微軟正黑體" panose="020B0604030504040204" pitchFamily="34" charset="-120"/>
+                <a:ea typeface="微軟正黑體" panose="020B0604030504040204" pitchFamily="34" charset="-120"/>
+              </a:rPr>
+              <a:t>需求</a:t>
+            </a:r>
+            <a:r>
+              <a:rPr lang="en-US" altLang="zh-TW" sz="2000" dirty="0">
+                <a:latin typeface="微軟正黑體" panose="020B0604030504040204" pitchFamily="34" charset="-120"/>
+                <a:ea typeface="微軟正黑體" panose="020B0604030504040204" pitchFamily="34" charset="-120"/>
+              </a:rPr>
+              <a:t>:</a:t>
+            </a:r>
+          </a:p>
+          <a:p>
+            <a:pPr marL="742950" lvl="1" indent="-228600">
+              <a:lnSpc>
+                <a:spcPct val="90000"/>
+              </a:lnSpc>
+              <a:spcAft>
+                <a:spcPts val="600"/>
+              </a:spcAft>
+              <a:buFont typeface="Arial" panose="020B0604020202020204" pitchFamily="34" charset="0"/>
+              <a:buChar char="•"/>
+            </a:pPr>
+            <a:endParaRPr lang="en-US" altLang="zh-TW" sz="2000" dirty="0">
+              <a:latin typeface="微軟正黑體" panose="020B0604030504040204" pitchFamily="34" charset="-120"/>
+              <a:ea typeface="微軟正黑體" panose="020B0604030504040204" pitchFamily="34" charset="-120"/>
+            </a:endParaRPr>
+          </a:p>
+          <a:p>
+            <a:pPr marL="742950" lvl="1" indent="-228600">
+              <a:lnSpc>
+                <a:spcPct val="90000"/>
+              </a:lnSpc>
+              <a:spcAft>
+                <a:spcPts val="600"/>
+              </a:spcAft>
+              <a:buFont typeface="Arial" panose="020B0604020202020204" pitchFamily="34" charset="0"/>
+              <a:buChar char="•"/>
+            </a:pPr>
+            <a:r>
+              <a:rPr lang="zh-TW" altLang="en-US" sz="2000" dirty="0">
+                <a:latin typeface="微軟正黑體" panose="020B0604030504040204" pitchFamily="34" charset="-120"/>
+                <a:ea typeface="微軟正黑體" panose="020B0604030504040204" pitchFamily="34" charset="-120"/>
+              </a:rPr>
+              <a:t>及時發現問題，避免惡化</a:t>
+            </a:r>
+            <a:endParaRPr lang="en-US" altLang="zh-TW" sz="2000" dirty="0">
+              <a:latin typeface="微軟正黑體" panose="020B0604030504040204" pitchFamily="34" charset="-120"/>
+              <a:ea typeface="微軟正黑體" panose="020B0604030504040204" pitchFamily="34" charset="-120"/>
+            </a:endParaRPr>
+          </a:p>
+          <a:p>
+            <a:pPr marL="742950" lvl="1" indent="-228600">
+              <a:lnSpc>
+                <a:spcPct val="90000"/>
+              </a:lnSpc>
+              <a:spcAft>
+                <a:spcPts val="600"/>
+              </a:spcAft>
+              <a:buFont typeface="Arial" panose="020B0604020202020204" pitchFamily="34" charset="0"/>
+              <a:buChar char="•"/>
+            </a:pPr>
+            <a:endParaRPr lang="en-US" altLang="zh-TW" sz="2000" dirty="0">
+              <a:latin typeface="微軟正黑體" panose="020B0604030504040204" pitchFamily="34" charset="-120"/>
+              <a:ea typeface="微軟正黑體" panose="020B0604030504040204" pitchFamily="34" charset="-120"/>
+            </a:endParaRPr>
+          </a:p>
+          <a:p>
+            <a:pPr marL="742950" lvl="1" indent="-228600">
+              <a:lnSpc>
+                <a:spcPct val="90000"/>
+              </a:lnSpc>
+              <a:spcAft>
+                <a:spcPts val="600"/>
+              </a:spcAft>
+              <a:buFont typeface="Arial" panose="020B0604020202020204" pitchFamily="34" charset="0"/>
+              <a:buChar char="•"/>
+            </a:pPr>
+            <a:r>
+              <a:rPr lang="zh-TW" altLang="en-US" sz="2000" dirty="0">
+                <a:latin typeface="微軟正黑體" panose="020B0604030504040204" pitchFamily="34" charset="-120"/>
+                <a:ea typeface="微軟正黑體" panose="020B0604030504040204" pitchFamily="34" charset="-120"/>
+              </a:rPr>
+              <a:t>正確、及時的基本保健知識</a:t>
+            </a:r>
+          </a:p>
+        </p:txBody>
+      </p:sp>
+    </p:spTree>
+    <p:extLst>
+      <p:ext uri="{BB962C8B-B14F-4D97-AF65-F5344CB8AC3E}">
+        <p14:creationId xmlns:p14="http://schemas.microsoft.com/office/powerpoint/2010/main" val="3016596021"/>
       </p:ext>
     </p:extLst>
   </p:cSld>
@@ -11015,4 +11502,299 @@
     </a:ext>
   </a:extLst>
 </a:theme>
+</file>
+
+<file path=ppt/theme/theme2.xml><?xml version="1.0" encoding="utf-8"?>
+<a:theme xmlns:a="http://schemas.openxmlformats.org/drawingml/2006/main" name="Office 佈景主題">
+  <a:themeElements>
+    <a:clrScheme name="Office">
+      <a:dk1>
+        <a:sysClr val="windowText" lastClr="000000"/>
+      </a:dk1>
+      <a:lt1>
+        <a:sysClr val="window" lastClr="FFFFFF"/>
+      </a:lt1>
+      <a:dk2>
+        <a:srgbClr val="44546A"/>
+      </a:dk2>
+      <a:lt2>
+        <a:srgbClr val="E7E6E6"/>
+      </a:lt2>
+      <a:accent1>
+        <a:srgbClr val="4472C4"/>
+      </a:accent1>
+      <a:accent2>
+        <a:srgbClr val="ED7D31"/>
+      </a:accent2>
+      <a:accent3>
+        <a:srgbClr val="A5A5A5"/>
+      </a:accent3>
+      <a:accent4>
+        <a:srgbClr val="FFC000"/>
+      </a:accent4>
+      <a:accent5>
+        <a:srgbClr val="5B9BD5"/>
+      </a:accent5>
+      <a:accent6>
+        <a:srgbClr val="70AD47"/>
+      </a:accent6>
+      <a:hlink>
+        <a:srgbClr val="0563C1"/>
+      </a:hlink>
+      <a:folHlink>
+        <a:srgbClr val="954F72"/>
+      </a:folHlink>
+    </a:clrScheme>
+    <a:fontScheme name="Office">
+      <a:majorFont>
+        <a:latin typeface="Calibri Light" panose="020F0302020204030204"/>
+        <a:ea typeface=""/>
+        <a:cs typeface=""/>
+        <a:font script="Jpan" typeface="游ゴシック Light"/>
+        <a:font script="Hang" typeface="맑은 고딕"/>
+        <a:font script="Hans" typeface="等线 Light"/>
+        <a:font script="Hant" typeface="新細明體"/>
+        <a:font script="Arab" typeface="Times New Roman"/>
+        <a:font script="Hebr" typeface="Times New Roman"/>
+        <a:font script="Thai" typeface="Angsana New"/>
+        <a:font script="Ethi" typeface="Nyala"/>
+        <a:font script="Beng" typeface="Vrinda"/>
+        <a:font script="Gujr" typeface="Shruti"/>
+        <a:font script="Khmr" typeface="MoolBoran"/>
+        <a:font script="Knda" typeface="Tunga"/>
+        <a:font script="Guru" typeface="Raavi"/>
+        <a:font script="Cans" typeface="Euphemia"/>
+        <a:font script="Cher" typeface="Plantagenet Cherokee"/>
+        <a:font script="Yiii" typeface="Microsoft Yi Baiti"/>
+        <a:font script="Tibt" typeface="Microsoft Himalaya"/>
+        <a:font script="Thaa" typeface="MV Boli"/>
+        <a:font script="Deva" typeface="Mangal"/>
+        <a:font script="Telu" typeface="Gautami"/>
+        <a:font script="Taml" typeface="Latha"/>
+        <a:font script="Syrc" typeface="Estrangelo Edessa"/>
+        <a:font script="Orya" typeface="Kalinga"/>
+        <a:font script="Mlym" typeface="Kartika"/>
+        <a:font script="Laoo" typeface="DokChampa"/>
+        <a:font script="Sinh" typeface="Iskoola Pota"/>
+        <a:font script="Mong" typeface="Mongolian Baiti"/>
+        <a:font script="Viet" typeface="Times New Roman"/>
+        <a:font script="Uigh" typeface="Microsoft Uighur"/>
+        <a:font script="Geor" typeface="Sylfaen"/>
+        <a:font script="Armn" typeface="Arial"/>
+        <a:font script="Bugi" typeface="Leelawadee UI"/>
+        <a:font script="Bopo" typeface="Microsoft JhengHei"/>
+        <a:font script="Java" typeface="Javanese Text"/>
+        <a:font script="Lisu" typeface="Segoe UI"/>
+        <a:font script="Mymr" typeface="Myanmar Text"/>
+        <a:font script="Nkoo" typeface="Ebrima"/>
+        <a:font script="Olck" typeface="Nirmala UI"/>
+        <a:font script="Osma" typeface="Ebrima"/>
+        <a:font script="Phag" typeface="Phagspa"/>
+        <a:font script="Syrn" typeface="Estrangelo Edessa"/>
+        <a:font script="Syrj" typeface="Estrangelo Edessa"/>
+        <a:font script="Syre" typeface="Estrangelo Edessa"/>
+        <a:font script="Sora" typeface="Nirmala UI"/>
+        <a:font script="Tale" typeface="Microsoft Tai Le"/>
+        <a:font script="Talu" typeface="Microsoft New Tai Lue"/>
+        <a:font script="Tfng" typeface="Ebrima"/>
+      </a:majorFont>
+      <a:minorFont>
+        <a:latin typeface="Calibri" panose="020F0502020204030204"/>
+        <a:ea typeface=""/>
+        <a:cs typeface=""/>
+        <a:font script="Jpan" typeface="游ゴシック"/>
+        <a:font script="Hang" typeface="맑은 고딕"/>
+        <a:font script="Hans" typeface="等线"/>
+        <a:font script="Hant" typeface="新細明體"/>
+        <a:font script="Arab" typeface="Arial"/>
+        <a:font script="Hebr" typeface="Arial"/>
+        <a:font script="Thai" typeface="Cordia New"/>
+        <a:font script="Ethi" typeface="Nyala"/>
+        <a:font script="Beng" typeface="Vrinda"/>
+        <a:font script="Gujr" typeface="Shruti"/>
+        <a:font script="Khmr" typeface="DaunPenh"/>
+        <a:font script="Knda" typeface="Tunga"/>
+        <a:font script="Guru" typeface="Raavi"/>
+        <a:font script="Cans" typeface="Euphemia"/>
+        <a:font script="Cher" typeface="Plantagenet Cherokee"/>
+        <a:font script="Yiii" typeface="Microsoft Yi Baiti"/>
+        <a:font script="Tibt" typeface="Microsoft Himalaya"/>
+        <a:font script="Thaa" typeface="MV Boli"/>
+        <a:font script="Deva" typeface="Mangal"/>
+        <a:font script="Telu" typeface="Gautami"/>
+        <a:font script="Taml" typeface="Latha"/>
+        <a:font script="Syrc" typeface="Estrangelo Edessa"/>
+        <a:font script="Orya" typeface="Kalinga"/>
+        <a:font script="Mlym" typeface="Kartika"/>
+        <a:font script="Laoo" typeface="DokChampa"/>
+        <a:font script="Sinh" typeface="Iskoola Pota"/>
+        <a:font script="Mong" typeface="Mongolian Baiti"/>
+        <a:font script="Viet" typeface="Arial"/>
+        <a:font script="Uigh" typeface="Microsoft Uighur"/>
+        <a:font script="Geor" typeface="Sylfaen"/>
+        <a:font script="Armn" typeface="Arial"/>
+        <a:font script="Bugi" typeface="Leelawadee UI"/>
+        <a:font script="Bopo" typeface="Microsoft JhengHei"/>
+        <a:font script="Java" typeface="Javanese Text"/>
+        <a:font script="Lisu" typeface="Segoe UI"/>
+        <a:font script="Mymr" typeface="Myanmar Text"/>
+        <a:font script="Nkoo" typeface="Ebrima"/>
+        <a:font script="Olck" typeface="Nirmala UI"/>
+        <a:font script="Osma" typeface="Ebrima"/>
+        <a:font script="Phag" typeface="Phagspa"/>
+        <a:font script="Syrn" typeface="Estrangelo Edessa"/>
+        <a:font script="Syrj" typeface="Estrangelo Edessa"/>
+        <a:font script="Syre" typeface="Estrangelo Edessa"/>
+        <a:font script="Sora" typeface="Nirmala UI"/>
+        <a:font script="Tale" typeface="Microsoft Tai Le"/>
+        <a:font script="Talu" typeface="Microsoft New Tai Lue"/>
+        <a:font script="Tfng" typeface="Ebrima"/>
+      </a:minorFont>
+    </a:fontScheme>
+    <a:fmtScheme name="Office">
+      <a:fillStyleLst>
+        <a:solidFill>
+          <a:schemeClr val="phClr"/>
+        </a:solidFill>
+        <a:gradFill rotWithShape="1">
+          <a:gsLst>
+            <a:gs pos="0">
+              <a:schemeClr val="phClr">
+                <a:lumMod val="110000"/>
+                <a:satMod val="105000"/>
+                <a:tint val="67000"/>
+              </a:schemeClr>
+            </a:gs>
+            <a:gs pos="50000">
+              <a:schemeClr val="phClr">
+                <a:lumMod val="105000"/>
+                <a:satMod val="103000"/>
+                <a:tint val="73000"/>
+              </a:schemeClr>
+            </a:gs>
+            <a:gs pos="100000">
+              <a:schemeClr val="phClr">
+                <a:lumMod val="105000"/>
+                <a:satMod val="109000"/>
+                <a:tint val="81000"/>
+              </a:schemeClr>
+            </a:gs>
+          </a:gsLst>
+          <a:lin ang="5400000" scaled="0"/>
+        </a:gradFill>
+        <a:gradFill rotWithShape="1">
+          <a:gsLst>
+            <a:gs pos="0">
+              <a:schemeClr val="phClr">
+                <a:satMod val="103000"/>
+                <a:lumMod val="102000"/>
+                <a:tint val="94000"/>
+              </a:schemeClr>
+            </a:gs>
+            <a:gs pos="50000">
+              <a:schemeClr val="phClr">
+                <a:satMod val="110000"/>
+                <a:lumMod val="100000"/>
+                <a:shade val="100000"/>
+              </a:schemeClr>
+            </a:gs>
+            <a:gs pos="100000">
+              <a:schemeClr val="phClr">
+                <a:lumMod val="99000"/>
+                <a:satMod val="120000"/>
+                <a:shade val="78000"/>
+              </a:schemeClr>
+            </a:gs>
+          </a:gsLst>
+          <a:lin ang="5400000" scaled="0"/>
+        </a:gradFill>
+      </a:fillStyleLst>
+      <a:lnStyleLst>
+        <a:ln w="6350" cap="flat" cmpd="sng" algn="ctr">
+          <a:solidFill>
+            <a:schemeClr val="phClr"/>
+          </a:solidFill>
+          <a:prstDash val="solid"/>
+          <a:miter lim="800000"/>
+        </a:ln>
+        <a:ln w="12700" cap="flat" cmpd="sng" algn="ctr">
+          <a:solidFill>
+            <a:schemeClr val="phClr"/>
+          </a:solidFill>
+          <a:prstDash val="solid"/>
+          <a:miter lim="800000"/>
+        </a:ln>
+        <a:ln w="19050" cap="flat" cmpd="sng" algn="ctr">
+          <a:solidFill>
+            <a:schemeClr val="phClr"/>
+          </a:solidFill>
+          <a:prstDash val="solid"/>
+          <a:miter lim="800000"/>
+        </a:ln>
+      </a:lnStyleLst>
+      <a:effectStyleLst>
+        <a:effectStyle>
+          <a:effectLst/>
+        </a:effectStyle>
+        <a:effectStyle>
+          <a:effectLst/>
+        </a:effectStyle>
+        <a:effectStyle>
+          <a:effectLst>
+            <a:outerShdw blurRad="57150" dist="19050" dir="5400000" algn="ctr" rotWithShape="0">
+              <a:srgbClr val="000000">
+                <a:alpha val="63000"/>
+              </a:srgbClr>
+            </a:outerShdw>
+          </a:effectLst>
+        </a:effectStyle>
+      </a:effectStyleLst>
+      <a:bgFillStyleLst>
+        <a:solidFill>
+          <a:schemeClr val="phClr"/>
+        </a:solidFill>
+        <a:solidFill>
+          <a:schemeClr val="phClr">
+            <a:tint val="95000"/>
+            <a:satMod val="170000"/>
+          </a:schemeClr>
+        </a:solidFill>
+        <a:gradFill rotWithShape="1">
+          <a:gsLst>
+            <a:gs pos="0">
+              <a:schemeClr val="phClr">
+                <a:tint val="93000"/>
+                <a:satMod val="150000"/>
+                <a:shade val="98000"/>
+                <a:lumMod val="102000"/>
+              </a:schemeClr>
+            </a:gs>
+            <a:gs pos="50000">
+              <a:schemeClr val="phClr">
+                <a:tint val="98000"/>
+                <a:satMod val="130000"/>
+                <a:shade val="90000"/>
+                <a:lumMod val="103000"/>
+              </a:schemeClr>
+            </a:gs>
+            <a:gs pos="100000">
+              <a:schemeClr val="phClr">
+                <a:shade val="63000"/>
+                <a:satMod val="120000"/>
+              </a:schemeClr>
+            </a:gs>
+          </a:gsLst>
+          <a:lin ang="5400000" scaled="0"/>
+        </a:gradFill>
+      </a:bgFillStyleLst>
+    </a:fmtScheme>
+  </a:themeElements>
+  <a:objectDefaults/>
+  <a:extraClrSchemeLst/>
+  <a:extLst>
+    <a:ext uri="{05A4C25C-085E-4340-85A3-A5531E510DB2}">
+      <thm15:themeFamily xmlns:thm15="http://schemas.microsoft.com/office/thememl/2012/main" name="Office Theme" id="{62F939B6-93AF-4DB8-9C6B-D6C7DFDC589F}" vid="{4A3C46E8-61CC-4603-A589-7422A47A8E4A}"/>
+    </a:ext>
+  </a:extLst>
+</a:theme>
 </file>
--- a/整合/產品報告.pptx
+++ b/整合/產品報告.pptx
@@ -5,7 +5,7 @@
     <p:sldMasterId id="2147483648" r:id="rId1"/>
   </p:sldMasterIdLst>
   <p:notesMasterIdLst>
-    <p:notesMasterId r:id="rId16"/>
+    <p:notesMasterId r:id="rId17"/>
   </p:notesMasterIdLst>
   <p:sldIdLst>
     <p:sldId id="256" r:id="rId2"/>
@@ -13,15 +13,16 @@
     <p:sldId id="258" r:id="rId4"/>
     <p:sldId id="267" r:id="rId5"/>
     <p:sldId id="260" r:id="rId6"/>
-    <p:sldId id="265" r:id="rId7"/>
-    <p:sldId id="261" r:id="rId8"/>
-    <p:sldId id="266" r:id="rId9"/>
-    <p:sldId id="262" r:id="rId10"/>
-    <p:sldId id="263" r:id="rId11"/>
-    <p:sldId id="264" r:id="rId12"/>
-    <p:sldId id="268" r:id="rId13"/>
-    <p:sldId id="269" r:id="rId14"/>
-    <p:sldId id="271" r:id="rId15"/>
+    <p:sldId id="272" r:id="rId7"/>
+    <p:sldId id="265" r:id="rId8"/>
+    <p:sldId id="261" r:id="rId9"/>
+    <p:sldId id="266" r:id="rId10"/>
+    <p:sldId id="262" r:id="rId11"/>
+    <p:sldId id="263" r:id="rId12"/>
+    <p:sldId id="264" r:id="rId13"/>
+    <p:sldId id="268" r:id="rId14"/>
+    <p:sldId id="269" r:id="rId15"/>
+    <p:sldId id="271" r:id="rId16"/>
   </p:sldIdLst>
   <p:sldSz cx="12192000" cy="6858000"/>
   <p:notesSz cx="6858000" cy="9144000"/>
@@ -141,7 +142,7 @@
   <pc:docChgLst>
     <pc:chgData name="品佑 陳" userId="b47096fc5e872c87" providerId="LiveId" clId="{9E32E880-9E21-4A31-BD97-DF83B23E4AFF}"/>
     <pc:docChg chg="undo custSel addSld delSld modSld sldOrd">
-      <pc:chgData name="品佑 陳" userId="b47096fc5e872c87" providerId="LiveId" clId="{9E32E880-9E21-4A31-BD97-DF83B23E4AFF}" dt="2023-12-13T09:24:31.751" v="5681" actId="47"/>
+      <pc:chgData name="品佑 陳" userId="b47096fc5e872c87" providerId="LiveId" clId="{9E32E880-9E21-4A31-BD97-DF83B23E4AFF}" dt="2023-12-14T09:59:05.218" v="5683" actId="113"/>
       <pc:docMkLst>
         <pc:docMk/>
       </pc:docMkLst>
@@ -807,7 +808,7 @@
         </pc:cxnChg>
       </pc:sldChg>
       <pc:sldChg chg="addSp delSp modSp new mod">
-        <pc:chgData name="品佑 陳" userId="b47096fc5e872c87" providerId="LiveId" clId="{9E32E880-9E21-4A31-BD97-DF83B23E4AFF}" dt="2023-12-12T11:33:26.296" v="5108" actId="1076"/>
+        <pc:chgData name="品佑 陳" userId="b47096fc5e872c87" providerId="LiveId" clId="{9E32E880-9E21-4A31-BD97-DF83B23E4AFF}" dt="2023-12-14T09:59:05.218" v="5683" actId="113"/>
         <pc:sldMkLst>
           <pc:docMk/>
           <pc:sldMk cId="4092113082" sldId="267"/>
@@ -837,7 +838,7 @@
           </ac:spMkLst>
         </pc:spChg>
         <pc:spChg chg="add mod">
-          <ac:chgData name="品佑 陳" userId="b47096fc5e872c87" providerId="LiveId" clId="{9E32E880-9E21-4A31-BD97-DF83B23E4AFF}" dt="2023-12-12T11:33:26.296" v="5108" actId="1076"/>
+          <ac:chgData name="品佑 陳" userId="b47096fc5e872c87" providerId="LiveId" clId="{9E32E880-9E21-4A31-BD97-DF83B23E4AFF}" dt="2023-12-14T09:59:05.218" v="5683" actId="113"/>
           <ac:spMkLst>
             <pc:docMk/>
             <pc:sldMk cId="4092113082" sldId="267"/>
@@ -1104,7 +1105,7 @@
           <a:p>
             <a:fld id="{348DD897-C32E-42F1-9BC0-69A63B2159A6}" type="datetimeFigureOut">
               <a:rPr lang="zh-TW" altLang="en-US" smtClean="0"/>
-              <a:t>2023/12/13</a:t>
+              <a:t>2023/12/16</a:t>
             </a:fld>
             <a:endParaRPr lang="zh-TW" altLang="en-US"/>
           </a:p>
@@ -1686,7 +1687,7 @@
           <a:p>
             <a:fld id="{5D037FE7-D7D4-44C9-BE9D-AB57904CB883}" type="datetimeFigureOut">
               <a:rPr lang="zh-TW" altLang="en-US" smtClean="0"/>
-              <a:t>2023/12/13</a:t>
+              <a:t>2023/12/16</a:t>
             </a:fld>
             <a:endParaRPr lang="zh-TW" altLang="en-US"/>
           </a:p>
@@ -1884,7 +1885,7 @@
           <a:p>
             <a:fld id="{5D037FE7-D7D4-44C9-BE9D-AB57904CB883}" type="datetimeFigureOut">
               <a:rPr lang="zh-TW" altLang="en-US" smtClean="0"/>
-              <a:t>2023/12/13</a:t>
+              <a:t>2023/12/16</a:t>
             </a:fld>
             <a:endParaRPr lang="zh-TW" altLang="en-US"/>
           </a:p>
@@ -2092,7 +2093,7 @@
           <a:p>
             <a:fld id="{5D037FE7-D7D4-44C9-BE9D-AB57904CB883}" type="datetimeFigureOut">
               <a:rPr lang="zh-TW" altLang="en-US" smtClean="0"/>
-              <a:t>2023/12/13</a:t>
+              <a:t>2023/12/16</a:t>
             </a:fld>
             <a:endParaRPr lang="zh-TW" altLang="en-US"/>
           </a:p>
@@ -2290,7 +2291,7 @@
           <a:p>
             <a:fld id="{5D037FE7-D7D4-44C9-BE9D-AB57904CB883}" type="datetimeFigureOut">
               <a:rPr lang="zh-TW" altLang="en-US" smtClean="0"/>
-              <a:t>2023/12/13</a:t>
+              <a:t>2023/12/16</a:t>
             </a:fld>
             <a:endParaRPr lang="zh-TW" altLang="en-US"/>
           </a:p>
@@ -2565,7 +2566,7 @@
           <a:p>
             <a:fld id="{5D037FE7-D7D4-44C9-BE9D-AB57904CB883}" type="datetimeFigureOut">
               <a:rPr lang="zh-TW" altLang="en-US" smtClean="0"/>
-              <a:t>2023/12/13</a:t>
+              <a:t>2023/12/16</a:t>
             </a:fld>
             <a:endParaRPr lang="zh-TW" altLang="en-US"/>
           </a:p>
@@ -2830,7 +2831,7 @@
           <a:p>
             <a:fld id="{5D037FE7-D7D4-44C9-BE9D-AB57904CB883}" type="datetimeFigureOut">
               <a:rPr lang="zh-TW" altLang="en-US" smtClean="0"/>
-              <a:t>2023/12/13</a:t>
+              <a:t>2023/12/16</a:t>
             </a:fld>
             <a:endParaRPr lang="zh-TW" altLang="en-US"/>
           </a:p>
@@ -3242,7 +3243,7 @@
           <a:p>
             <a:fld id="{5D037FE7-D7D4-44C9-BE9D-AB57904CB883}" type="datetimeFigureOut">
               <a:rPr lang="zh-TW" altLang="en-US" smtClean="0"/>
-              <a:t>2023/12/13</a:t>
+              <a:t>2023/12/16</a:t>
             </a:fld>
             <a:endParaRPr lang="zh-TW" altLang="en-US"/>
           </a:p>
@@ -3383,7 +3384,7 @@
           <a:p>
             <a:fld id="{5D037FE7-D7D4-44C9-BE9D-AB57904CB883}" type="datetimeFigureOut">
               <a:rPr lang="zh-TW" altLang="en-US" smtClean="0"/>
-              <a:t>2023/12/13</a:t>
+              <a:t>2023/12/16</a:t>
             </a:fld>
             <a:endParaRPr lang="zh-TW" altLang="en-US"/>
           </a:p>
@@ -3496,7 +3497,7 @@
           <a:p>
             <a:fld id="{5D037FE7-D7D4-44C9-BE9D-AB57904CB883}" type="datetimeFigureOut">
               <a:rPr lang="zh-TW" altLang="en-US" smtClean="0"/>
-              <a:t>2023/12/13</a:t>
+              <a:t>2023/12/16</a:t>
             </a:fld>
             <a:endParaRPr lang="zh-TW" altLang="en-US"/>
           </a:p>
@@ -3807,7 +3808,7 @@
           <a:p>
             <a:fld id="{5D037FE7-D7D4-44C9-BE9D-AB57904CB883}" type="datetimeFigureOut">
               <a:rPr lang="zh-TW" altLang="en-US" smtClean="0"/>
-              <a:t>2023/12/13</a:t>
+              <a:t>2023/12/16</a:t>
             </a:fld>
             <a:endParaRPr lang="zh-TW" altLang="en-US"/>
           </a:p>
@@ -4095,7 +4096,7 @@
           <a:p>
             <a:fld id="{5D037FE7-D7D4-44C9-BE9D-AB57904CB883}" type="datetimeFigureOut">
               <a:rPr lang="zh-TW" altLang="en-US" smtClean="0"/>
-              <a:t>2023/12/13</a:t>
+              <a:t>2023/12/16</a:t>
             </a:fld>
             <a:endParaRPr lang="zh-TW" altLang="en-US"/>
           </a:p>
@@ -4336,7 +4337,7 @@
           <a:p>
             <a:fld id="{5D037FE7-D7D4-44C9-BE9D-AB57904CB883}" type="datetimeFigureOut">
               <a:rPr lang="zh-TW" altLang="en-US" smtClean="0"/>
-              <a:t>2023/12/13</a:t>
+              <a:t>2023/12/16</a:t>
             </a:fld>
             <a:endParaRPr lang="zh-TW" altLang="en-US"/>
           </a:p>
@@ -5454,6 +5455,538 @@
           <p:cNvPr id="2" name="標題 1">
             <a:extLst>
               <a:ext uri="{FF2B5EF4-FFF2-40B4-BE49-F238E27FC236}">
+                <a16:creationId xmlns:a16="http://schemas.microsoft.com/office/drawing/2014/main" id="{E67A9B9C-0E13-2912-FE56-0698E122B7D9}"/>
+              </a:ext>
+            </a:extLst>
+          </p:cNvPr>
+          <p:cNvSpPr>
+            <a:spLocks noGrp="1"/>
+          </p:cNvSpPr>
+          <p:nvPr>
+            <p:ph type="title"/>
+          </p:nvPr>
+        </p:nvSpPr>
+        <p:spPr>
+          <a:xfrm>
+            <a:off x="1153618" y="1239927"/>
+            <a:ext cx="4008586" cy="4680583"/>
+          </a:xfrm>
+        </p:spPr>
+        <p:txBody>
+          <a:bodyPr anchor="ctr">
+            <a:normAutofit/>
+          </a:bodyPr>
+          <a:lstStyle/>
+          <a:p>
+            <a:r>
+              <a:rPr lang="zh-TW" altLang="en-US" sz="5200" b="1" dirty="0">
+                <a:latin typeface="微軟正黑體" panose="020B0604030504040204" pitchFamily="34" charset="-120"/>
+                <a:ea typeface="微軟正黑體" panose="020B0604030504040204" pitchFamily="34" charset="-120"/>
+              </a:rPr>
+              <a:t>產品概述</a:t>
+            </a:r>
+          </a:p>
+        </p:txBody>
+      </p:sp>
+      <p:sp>
+        <p:nvSpPr>
+          <p:cNvPr id="3" name="內容版面配置區 2">
+            <a:extLst>
+              <a:ext uri="{FF2B5EF4-FFF2-40B4-BE49-F238E27FC236}">
+                <a16:creationId xmlns:a16="http://schemas.microsoft.com/office/drawing/2014/main" id="{115867E0-5F26-C3F4-42A9-F9EFA5F1E4E5}"/>
+              </a:ext>
+            </a:extLst>
+          </p:cNvPr>
+          <p:cNvSpPr>
+            <a:spLocks noGrp="1"/>
+          </p:cNvSpPr>
+          <p:nvPr>
+            <p:ph idx="1"/>
+          </p:nvPr>
+        </p:nvSpPr>
+        <p:spPr>
+          <a:xfrm>
+            <a:off x="6291923" y="1239927"/>
+            <a:ext cx="4971824" cy="4680583"/>
+          </a:xfrm>
+        </p:spPr>
+        <p:txBody>
+          <a:bodyPr anchor="ctr">
+            <a:normAutofit/>
+          </a:bodyPr>
+          <a:lstStyle/>
+          <a:p>
+            <a:r>
+              <a:rPr lang="zh-TW" altLang="en-US" sz="2000" dirty="0">
+                <a:latin typeface="微軟正黑體" panose="020B0604030504040204" pitchFamily="34" charset="-120"/>
+                <a:ea typeface="微軟正黑體" panose="020B0604030504040204" pitchFamily="34" charset="-120"/>
+              </a:rPr>
+              <a:t>物理資聊</a:t>
+            </a:r>
+            <a:r>
+              <a:rPr lang="en-US" altLang="zh-TW" sz="2000" dirty="0">
+                <a:latin typeface="微軟正黑體" panose="020B0604030504040204" pitchFamily="34" charset="-120"/>
+                <a:ea typeface="微軟正黑體" panose="020B0604030504040204" pitchFamily="34" charset="-120"/>
+              </a:rPr>
+              <a:t>:</a:t>
+            </a:r>
+          </a:p>
+          <a:p>
+            <a:pPr lvl="1"/>
+            <a:endParaRPr lang="en-US" altLang="zh-TW" sz="2000" dirty="0">
+              <a:latin typeface="微軟正黑體" panose="020B0604030504040204" pitchFamily="34" charset="-120"/>
+              <a:ea typeface="微軟正黑體" panose="020B0604030504040204" pitchFamily="34" charset="-120"/>
+            </a:endParaRPr>
+          </a:p>
+          <a:p>
+            <a:pPr lvl="1"/>
+            <a:r>
+              <a:rPr lang="zh-TW" altLang="en-US" sz="2000" dirty="0">
+                <a:latin typeface="微軟正黑體" panose="020B0604030504040204" pitchFamily="34" charset="-120"/>
+                <a:ea typeface="微軟正黑體" panose="020B0604030504040204" pitchFamily="34" charset="-120"/>
+              </a:rPr>
+              <a:t>檢測關節、體態情況</a:t>
+            </a:r>
+            <a:endParaRPr lang="en-US" altLang="zh-TW" sz="2000" dirty="0">
+              <a:latin typeface="微軟正黑體" panose="020B0604030504040204" pitchFamily="34" charset="-120"/>
+              <a:ea typeface="微軟正黑體" panose="020B0604030504040204" pitchFamily="34" charset="-120"/>
+            </a:endParaRPr>
+          </a:p>
+          <a:p>
+            <a:pPr lvl="1"/>
+            <a:endParaRPr lang="en-US" altLang="zh-TW" sz="2000" dirty="0">
+              <a:latin typeface="微軟正黑體" panose="020B0604030504040204" pitchFamily="34" charset="-120"/>
+              <a:ea typeface="微軟正黑體" panose="020B0604030504040204" pitchFamily="34" charset="-120"/>
+            </a:endParaRPr>
+          </a:p>
+          <a:p>
+            <a:pPr lvl="1"/>
+            <a:r>
+              <a:rPr lang="zh-TW" altLang="en-US" sz="2000" dirty="0">
+                <a:latin typeface="微軟正黑體" panose="020B0604030504040204" pitchFamily="34" charset="-120"/>
+                <a:ea typeface="微軟正黑體" panose="020B0604030504040204" pitchFamily="34" charset="-120"/>
+              </a:rPr>
+              <a:t>聊天諮詢</a:t>
+            </a:r>
+            <a:endParaRPr lang="en-US" altLang="zh-TW" sz="2000" dirty="0">
+              <a:latin typeface="微軟正黑體" panose="020B0604030504040204" pitchFamily="34" charset="-120"/>
+              <a:ea typeface="微軟正黑體" panose="020B0604030504040204" pitchFamily="34" charset="-120"/>
+            </a:endParaRPr>
+          </a:p>
+          <a:p>
+            <a:pPr lvl="1"/>
+            <a:endParaRPr lang="en-US" altLang="zh-TW" sz="2000" dirty="0">
+              <a:latin typeface="微軟正黑體" panose="020B0604030504040204" pitchFamily="34" charset="-120"/>
+              <a:ea typeface="微軟正黑體" panose="020B0604030504040204" pitchFamily="34" charset="-120"/>
+            </a:endParaRPr>
+          </a:p>
+          <a:p>
+            <a:pPr lvl="1"/>
+            <a:r>
+              <a:rPr lang="zh-TW" altLang="en-US" sz="2000" dirty="0">
+                <a:latin typeface="微軟正黑體" panose="020B0604030504040204" pitchFamily="34" charset="-120"/>
+                <a:ea typeface="微軟正黑體" panose="020B0604030504040204" pitchFamily="34" charset="-120"/>
+              </a:rPr>
+              <a:t>居家運動</a:t>
+            </a:r>
+            <a:endParaRPr lang="en-US" altLang="zh-TW" sz="2000" dirty="0">
+              <a:latin typeface="微軟正黑體" panose="020B0604030504040204" pitchFamily="34" charset="-120"/>
+              <a:ea typeface="微軟正黑體" panose="020B0604030504040204" pitchFamily="34" charset="-120"/>
+            </a:endParaRPr>
+          </a:p>
+          <a:p>
+            <a:pPr lvl="1"/>
+            <a:endParaRPr lang="en-US" altLang="zh-TW" sz="2000" dirty="0"/>
+          </a:p>
+          <a:p>
+            <a:pPr marL="457200" lvl="1" indent="0">
+              <a:buNone/>
+            </a:pPr>
+            <a:endParaRPr lang="en-US" altLang="zh-TW" sz="2000" dirty="0"/>
+          </a:p>
+        </p:txBody>
+      </p:sp>
+    </p:spTree>
+    <p:extLst>
+      <p:ext uri="{BB962C8B-B14F-4D97-AF65-F5344CB8AC3E}">
+        <p14:creationId xmlns:p14="http://schemas.microsoft.com/office/powerpoint/2010/main" val="555405392"/>
+      </p:ext>
+    </p:extLst>
+  </p:cSld>
+  <p:clrMapOvr>
+    <a:masterClrMapping/>
+  </p:clrMapOvr>
+</p:sld>
+</file>
+
+<file path=ppt/slides/slide11.xml><?xml version="1.0" encoding="utf-8"?>
+<p:sld xmlns:a="http://schemas.openxmlformats.org/drawingml/2006/main" xmlns:r="http://schemas.openxmlformats.org/officeDocument/2006/relationships" xmlns:p="http://schemas.openxmlformats.org/presentationml/2006/main">
+  <p:cSld>
+    <p:bg>
+      <p:bgPr>
+        <a:solidFill>
+          <a:schemeClr val="bg1"/>
+        </a:solidFill>
+        <a:effectLst/>
+      </p:bgPr>
+    </p:bg>
+    <p:spTree>
+      <p:nvGrpSpPr>
+        <p:cNvPr id="1" name=""/>
+        <p:cNvGrpSpPr/>
+        <p:nvPr/>
+      </p:nvGrpSpPr>
+      <p:grpSpPr>
+        <a:xfrm>
+          <a:off x="0" y="0"/>
+          <a:ext cx="0" cy="0"/>
+          <a:chOff x="0" y="0"/>
+          <a:chExt cx="0" cy="0"/>
+        </a:xfrm>
+      </p:grpSpPr>
+      <p:sp useBgFill="1">
+        <p:nvSpPr>
+          <p:cNvPr id="8" name="Rectangle 7">
+            <a:extLst>
+              <a:ext uri="{FF2B5EF4-FFF2-40B4-BE49-F238E27FC236}">
+                <a16:creationId xmlns:a16="http://schemas.microsoft.com/office/drawing/2014/main" id="{8B9AA7C6-5E5A-498E-A6DF-A943376E09BC}"/>
+              </a:ext>
+              <a:ext uri="{C183D7F6-B498-43B3-948B-1728B52AA6E4}">
+                <adec:decorative xmlns:adec="http://schemas.microsoft.com/office/drawing/2017/decorative" val="1"/>
+              </a:ext>
+            </a:extLst>
+          </p:cNvPr>
+          <p:cNvSpPr>
+            <a:spLocks noGrp="1" noRot="1" noChangeAspect="1" noMove="1" noResize="1" noEditPoints="1" noAdjustHandles="1" noChangeArrowheads="1" noChangeShapeType="1" noTextEdit="1"/>
+          </p:cNvSpPr>
+          <p:nvPr>
+            <p:extLst>
+              <p:ext uri="{386F3935-93C4-4BCD-93E2-E3B085C9AB24}">
+                <p16:designElem xmlns:p16="http://schemas.microsoft.com/office/powerpoint/2015/main" val="1"/>
+              </p:ext>
+            </p:extLst>
+          </p:nvPr>
+        </p:nvSpPr>
+        <p:spPr>
+          <a:xfrm>
+            <a:off x="0" y="0"/>
+            <a:ext cx="12191999" cy="6857365"/>
+          </a:xfrm>
+          <a:prstGeom prst="rect">
+            <a:avLst/>
+          </a:prstGeom>
+          <a:ln>
+            <a:noFill/>
+          </a:ln>
+        </p:spPr>
+        <p:style>
+          <a:lnRef idx="2">
+            <a:schemeClr val="accent1">
+              <a:shade val="50000"/>
+            </a:schemeClr>
+          </a:lnRef>
+          <a:fillRef idx="1">
+            <a:schemeClr val="accent1"/>
+          </a:fillRef>
+          <a:effectRef idx="0">
+            <a:schemeClr val="accent1"/>
+          </a:effectRef>
+          <a:fontRef idx="minor">
+            <a:schemeClr val="lt1"/>
+          </a:fontRef>
+        </p:style>
+        <p:txBody>
+          <a:bodyPr rtlCol="0" anchor="ctr"/>
+          <a:lstStyle/>
+          <a:p>
+            <a:pPr algn="ctr"/>
+            <a:endParaRPr lang="en-US"/>
+          </a:p>
+        </p:txBody>
+      </p:sp>
+      <p:grpSp>
+        <p:nvGrpSpPr>
+          <p:cNvPr id="10" name="Group 9">
+            <a:extLst>
+              <a:ext uri="{FF2B5EF4-FFF2-40B4-BE49-F238E27FC236}">
+                <a16:creationId xmlns:a16="http://schemas.microsoft.com/office/drawing/2014/main" id="{83EAB11A-76F7-48F4-9B4F-5BFDF4BF9670}"/>
+              </a:ext>
+              <a:ext uri="{C183D7F6-B498-43B3-948B-1728B52AA6E4}">
+                <adec:decorative xmlns:adec="http://schemas.microsoft.com/office/drawing/2017/decorative" val="1"/>
+              </a:ext>
+            </a:extLst>
+          </p:cNvPr>
+          <p:cNvGrpSpPr>
+            <a:grpSpLocks noGrp="1" noUngrp="1" noRot="1" noChangeAspect="1" noMove="1" noResize="1"/>
+          </p:cNvGrpSpPr>
+          <p:nvPr>
+            <p:extLst>
+              <p:ext uri="{386F3935-93C4-4BCD-93E2-E3B085C9AB24}">
+                <p16:designElem xmlns:p16="http://schemas.microsoft.com/office/powerpoint/2015/main" val="1"/>
+              </p:ext>
+            </p:extLst>
+          </p:nvPr>
+        </p:nvGrpSpPr>
+        <p:grpSpPr>
+          <a:xfrm>
+            <a:off x="74300" y="2385102"/>
+            <a:ext cx="574091" cy="2087796"/>
+            <a:chOff x="209668" y="2857422"/>
+            <a:chExt cx="463662" cy="2087796"/>
+          </a:xfrm>
+        </p:grpSpPr>
+        <p:sp>
+          <p:nvSpPr>
+            <p:cNvPr id="11" name="Rectangle 10">
+              <a:extLst>
+                <a:ext uri="{FF2B5EF4-FFF2-40B4-BE49-F238E27FC236}">
+                  <a16:creationId xmlns:a16="http://schemas.microsoft.com/office/drawing/2014/main" id="{74D4C416-D5F4-4F6F-A6F1-87A21CD4FCAF}"/>
+                </a:ext>
+                <a:ext uri="{C183D7F6-B498-43B3-948B-1728B52AA6E4}">
+                  <adec:decorative xmlns:adec="http://schemas.microsoft.com/office/drawing/2017/decorative" val="1"/>
+                </a:ext>
+              </a:extLst>
+            </p:cNvPr>
+            <p:cNvSpPr/>
+            <p:nvPr>
+              <p:extLst>
+                <p:ext uri="{386F3935-93C4-4BCD-93E2-E3B085C9AB24}">
+                  <p16:designElem xmlns:p16="http://schemas.microsoft.com/office/powerpoint/2015/main" val="1"/>
+                </p:ext>
+              </p:extLst>
+            </p:nvPr>
+          </p:nvSpPr>
+          <p:spPr>
+            <a:xfrm flipH="1" flipV="1">
+              <a:off x="423947" y="2857422"/>
+              <a:ext cx="249383" cy="2087795"/>
+            </a:xfrm>
+            <a:prstGeom prst="rect">
+              <a:avLst/>
+            </a:prstGeom>
+            <a:solidFill>
+              <a:schemeClr val="accent4"/>
+            </a:solidFill>
+            <a:ln>
+              <a:noFill/>
+            </a:ln>
+          </p:spPr>
+          <p:style>
+            <a:lnRef idx="2">
+              <a:schemeClr val="accent1">
+                <a:shade val="50000"/>
+              </a:schemeClr>
+            </a:lnRef>
+            <a:fillRef idx="1">
+              <a:schemeClr val="accent1"/>
+            </a:fillRef>
+            <a:effectRef idx="0">
+              <a:schemeClr val="accent1"/>
+            </a:effectRef>
+            <a:fontRef idx="minor">
+              <a:schemeClr val="lt1"/>
+            </a:fontRef>
+          </p:style>
+          <p:txBody>
+            <a:bodyPr rtlCol="0" anchor="ctr"/>
+            <a:lstStyle/>
+            <a:p>
+              <a:pPr algn="ctr"/>
+              <a:endParaRPr lang="en-US"/>
+            </a:p>
+          </p:txBody>
+        </p:sp>
+        <p:cxnSp>
+          <p:nvCxnSpPr>
+            <p:cNvPr id="12" name="Straight Connector 11">
+              <a:extLst>
+                <a:ext uri="{FF2B5EF4-FFF2-40B4-BE49-F238E27FC236}">
+                  <a16:creationId xmlns:a16="http://schemas.microsoft.com/office/drawing/2014/main" id="{C6AC1C30-21C6-4BF6-93EE-B211D7A85011}"/>
+                </a:ext>
+                <a:ext uri="{C183D7F6-B498-43B3-948B-1728B52AA6E4}">
+                  <adec:decorative xmlns:adec="http://schemas.microsoft.com/office/drawing/2017/decorative" val="1"/>
+                </a:ext>
+              </a:extLst>
+            </p:cNvPr>
+            <p:cNvCxnSpPr>
+              <a:cxnSpLocks/>
+            </p:cNvCxnSpPr>
+            <p:nvPr>
+              <p:extLst>
+                <p:ext uri="{386F3935-93C4-4BCD-93E2-E3B085C9AB24}">
+                  <p16:designElem xmlns:p16="http://schemas.microsoft.com/office/powerpoint/2015/main" val="1"/>
+                </p:ext>
+              </p:extLst>
+            </p:nvPr>
+          </p:nvCxnSpPr>
+          <p:spPr>
+            <a:xfrm flipH="1">
+              <a:off x="209668" y="2857423"/>
+              <a:ext cx="1" cy="2087795"/>
+            </a:xfrm>
+            <a:prstGeom prst="line">
+              <a:avLst/>
+            </a:prstGeom>
+            <a:ln w="177800">
+              <a:solidFill>
+                <a:schemeClr val="accent4"/>
+              </a:solidFill>
+            </a:ln>
+          </p:spPr>
+          <p:style>
+            <a:lnRef idx="1">
+              <a:schemeClr val="accent1"/>
+            </a:lnRef>
+            <a:fillRef idx="0">
+              <a:schemeClr val="accent1"/>
+            </a:fillRef>
+            <a:effectRef idx="0">
+              <a:schemeClr val="accent1"/>
+            </a:effectRef>
+            <a:fontRef idx="minor">
+              <a:schemeClr val="tx1"/>
+            </a:fontRef>
+          </p:style>
+        </p:cxnSp>
+      </p:grpSp>
+      <p:sp>
+        <p:nvSpPr>
+          <p:cNvPr id="14" name="Rectangle 13">
+            <a:extLst>
+              <a:ext uri="{FF2B5EF4-FFF2-40B4-BE49-F238E27FC236}">
+                <a16:creationId xmlns:a16="http://schemas.microsoft.com/office/drawing/2014/main" id="{81E140AE-0ABF-47C8-BF32-7D2F0CF2BA44}"/>
+              </a:ext>
+              <a:ext uri="{C183D7F6-B498-43B3-948B-1728B52AA6E4}">
+                <adec:decorative xmlns:adec="http://schemas.microsoft.com/office/drawing/2017/decorative" val="1"/>
+              </a:ext>
+            </a:extLst>
+          </p:cNvPr>
+          <p:cNvSpPr>
+            <a:spLocks noGrp="1" noRot="1" noChangeAspect="1" noMove="1" noResize="1" noEditPoints="1" noAdjustHandles="1" noChangeArrowheads="1" noChangeShapeType="1" noTextEdit="1"/>
+          </p:cNvSpPr>
+          <p:nvPr>
+            <p:extLst>
+              <p:ext uri="{386F3935-93C4-4BCD-93E2-E3B085C9AB24}">
+                <p16:designElem xmlns:p16="http://schemas.microsoft.com/office/powerpoint/2015/main" val="1"/>
+              </p:ext>
+            </p:extLst>
+          </p:nvPr>
+        </p:nvSpPr>
+        <p:spPr>
+          <a:xfrm flipH="1">
+            <a:off x="10697670" y="0"/>
+            <a:ext cx="1494330" cy="6858000"/>
+          </a:xfrm>
+          <a:prstGeom prst="rect">
+            <a:avLst/>
+          </a:prstGeom>
+          <a:solidFill>
+            <a:schemeClr val="accent4"/>
+          </a:solidFill>
+          <a:ln>
+            <a:noFill/>
+          </a:ln>
+        </p:spPr>
+        <p:style>
+          <a:lnRef idx="2">
+            <a:schemeClr val="accent1">
+              <a:shade val="50000"/>
+            </a:schemeClr>
+          </a:lnRef>
+          <a:fillRef idx="1">
+            <a:schemeClr val="accent1"/>
+          </a:fillRef>
+          <a:effectRef idx="0">
+            <a:schemeClr val="accent1"/>
+          </a:effectRef>
+          <a:fontRef idx="minor">
+            <a:schemeClr val="lt1"/>
+          </a:fontRef>
+        </p:style>
+        <p:txBody>
+          <a:bodyPr rtlCol="0" anchor="ctr"/>
+          <a:lstStyle/>
+          <a:p>
+            <a:pPr algn="ctr"/>
+            <a:endParaRPr lang="en-US"/>
+          </a:p>
+        </p:txBody>
+      </p:sp>
+      <p:sp>
+        <p:nvSpPr>
+          <p:cNvPr id="16" name="Rectangle 15">
+            <a:extLst>
+              <a:ext uri="{FF2B5EF4-FFF2-40B4-BE49-F238E27FC236}">
+                <a16:creationId xmlns:a16="http://schemas.microsoft.com/office/drawing/2014/main" id="{CBC4F608-B4B8-48C3-9572-C0F061B1CD99}"/>
+              </a:ext>
+              <a:ext uri="{C183D7F6-B498-43B3-948B-1728B52AA6E4}">
+                <adec:decorative xmlns:adec="http://schemas.microsoft.com/office/drawing/2017/decorative" val="1"/>
+              </a:ext>
+            </a:extLst>
+          </p:cNvPr>
+          <p:cNvSpPr>
+            <a:spLocks noGrp="1" noRot="1" noChangeAspect="1" noMove="1" noResize="1" noEditPoints="1" noAdjustHandles="1" noChangeArrowheads="1" noChangeShapeType="1" noTextEdit="1"/>
+          </p:cNvSpPr>
+          <p:nvPr>
+            <p:extLst>
+              <p:ext uri="{386F3935-93C4-4BCD-93E2-E3B085C9AB24}">
+                <p16:designElem xmlns:p16="http://schemas.microsoft.com/office/powerpoint/2015/main" val="1"/>
+              </p:ext>
+            </p:extLst>
+          </p:nvPr>
+        </p:nvSpPr>
+        <p:spPr>
+          <a:xfrm>
+            <a:off x="579528" y="631767"/>
+            <a:ext cx="11111729" cy="5752404"/>
+          </a:xfrm>
+          <a:prstGeom prst="rect">
+            <a:avLst/>
+          </a:prstGeom>
+          <a:solidFill>
+            <a:schemeClr val="bg1"/>
+          </a:solidFill>
+          <a:ln>
+            <a:noFill/>
+          </a:ln>
+          <a:effectLst>
+            <a:outerShdw blurRad="139700" dist="127000" dir="5400000" algn="t" rotWithShape="0">
+              <a:prstClr val="black">
+                <a:alpha val="15000"/>
+              </a:prstClr>
+            </a:outerShdw>
+          </a:effectLst>
+        </p:spPr>
+        <p:style>
+          <a:lnRef idx="2">
+            <a:schemeClr val="accent1">
+              <a:shade val="50000"/>
+            </a:schemeClr>
+          </a:lnRef>
+          <a:fillRef idx="1">
+            <a:schemeClr val="accent1"/>
+          </a:fillRef>
+          <a:effectRef idx="0">
+            <a:schemeClr val="accent1"/>
+          </a:effectRef>
+          <a:fontRef idx="minor">
+            <a:schemeClr val="lt1"/>
+          </a:fontRef>
+        </p:style>
+        <p:txBody>
+          <a:bodyPr rtlCol="0" anchor="ctr"/>
+          <a:lstStyle/>
+          <a:p>
+            <a:pPr algn="ctr"/>
+            <a:endParaRPr lang="en-US"/>
+          </a:p>
+        </p:txBody>
+      </p:sp>
+      <p:sp>
+        <p:nvSpPr>
+          <p:cNvPr id="2" name="標題 1">
+            <a:extLst>
+              <a:ext uri="{FF2B5EF4-FFF2-40B4-BE49-F238E27FC236}">
                 <a16:creationId xmlns:a16="http://schemas.microsoft.com/office/drawing/2014/main" id="{27645875-5785-3C17-317B-0521CE0DC846}"/>
               </a:ext>
             </a:extLst>
@@ -5576,7 +6109,7 @@
 </p:sld>
 </file>
 
-<file path=ppt/slides/slide11.xml><?xml version="1.0" encoding="utf-8"?>
+<file path=ppt/slides/slide12.xml><?xml version="1.0" encoding="utf-8"?>
 <p:sld xmlns:a="http://schemas.openxmlformats.org/drawingml/2006/main" xmlns:r="http://schemas.openxmlformats.org/officeDocument/2006/relationships" xmlns:p="http://schemas.openxmlformats.org/presentationml/2006/main">
   <p:cSld>
     <p:bg>
@@ -6157,7 +6690,7 @@
 </p:sld>
 </file>
 
-<file path=ppt/slides/slide12.xml><?xml version="1.0" encoding="utf-8"?>
+<file path=ppt/slides/slide13.xml><?xml version="1.0" encoding="utf-8"?>
 <p:sld xmlns:a="http://schemas.openxmlformats.org/drawingml/2006/main" xmlns:r="http://schemas.openxmlformats.org/officeDocument/2006/relationships" xmlns:p="http://schemas.openxmlformats.org/presentationml/2006/main">
   <p:cSld>
     <p:bg>
@@ -6703,7 +7236,7 @@
 </p:sld>
 </file>
 
-<file path=ppt/slides/slide13.xml><?xml version="1.0" encoding="utf-8"?>
+<file path=ppt/slides/slide14.xml><?xml version="1.0" encoding="utf-8"?>
 <p:sld xmlns:a="http://schemas.openxmlformats.org/drawingml/2006/main" xmlns:r="http://schemas.openxmlformats.org/officeDocument/2006/relationships" xmlns:p="http://schemas.openxmlformats.org/presentationml/2006/main">
   <p:cSld>
     <p:bg>
@@ -7312,7 +7845,7 @@
 </p:sld>
 </file>
 
-<file path=ppt/slides/slide14.xml><?xml version="1.0" encoding="utf-8"?>
+<file path=ppt/slides/slide15.xml><?xml version="1.0" encoding="utf-8"?>
 <p:sld xmlns:a="http://schemas.openxmlformats.org/drawingml/2006/main" xmlns:r="http://schemas.openxmlformats.org/officeDocument/2006/relationships" xmlns:p="http://schemas.openxmlformats.org/presentationml/2006/main">
   <p:cSld>
     <p:spTree>
@@ -8584,7 +9117,7 @@
         </p:nvSpPr>
         <p:spPr>
           <a:xfrm>
-            <a:off x="4223657" y="6227409"/>
+            <a:off x="4038600" y="6227409"/>
             <a:ext cx="6858000" cy="369332"/>
           </a:xfrm>
           <a:prstGeom prst="rect">
@@ -8599,22 +9132,22 @@
           <a:lstStyle/>
           <a:p>
             <a:r>
-              <a:rPr lang="zh-TW" altLang="en-US" dirty="0"/>
+              <a:rPr lang="zh-TW" altLang="en-US" b="1" dirty="0"/>
               <a:t>台灣復健專科醫師人力需求推估</a:t>
             </a:r>
             <a:r>
-              <a:rPr lang="en-US" altLang="zh-TW" dirty="0"/>
+              <a:rPr lang="en-US" altLang="zh-TW" b="1" dirty="0"/>
               <a:t>(</a:t>
             </a:r>
             <a:r>
-              <a:rPr lang="zh-TW" altLang="en-US" dirty="0"/>
+              <a:rPr lang="zh-TW" altLang="en-US" b="1" dirty="0"/>
               <a:t>潘信良 </a:t>
             </a:r>
             <a:r>
-              <a:rPr lang="en-US" altLang="zh-TW" dirty="0"/>
+              <a:rPr lang="en-US" altLang="zh-TW" b="1" dirty="0"/>
               <a:t>2022)</a:t>
             </a:r>
-            <a:endParaRPr lang="zh-TW" altLang="en-US" dirty="0"/>
+            <a:endParaRPr lang="zh-TW" altLang="en-US" b="1" dirty="0"/>
           </a:p>
         </p:txBody>
       </p:sp>
@@ -9002,7 +9535,7 @@
         </p:spPr>
         <p:txBody>
           <a:bodyPr anchor="ctr">
-            <a:normAutofit fontScale="77500" lnSpcReduction="20000"/>
+            <a:normAutofit fontScale="92500" lnSpcReduction="10000"/>
           </a:bodyPr>
           <a:lstStyle/>
           <a:p>
@@ -9026,7 +9559,10 @@
             <a:endParaRPr lang="en-US" altLang="zh-TW" sz="2000" dirty="0"/>
           </a:p>
           <a:p>
-            <a:pPr lvl="1"/>
+            <a:pPr marL="914400" lvl="1" indent="-457200">
+              <a:buFont typeface="+mj-lt"/>
+              <a:buAutoNum type="arabicPeriod"/>
+            </a:pPr>
             <a:r>
               <a:rPr lang="zh-TW" altLang="en-US" sz="2000" dirty="0"/>
               <a:t>受試者認同關節問題對於健康來說是重要的</a:t>
@@ -9034,71 +9570,66 @@
             <a:endParaRPr lang="en-US" altLang="zh-TW" sz="2000" dirty="0"/>
           </a:p>
           <a:p>
+            <a:pPr marL="914400" lvl="1" indent="-457200">
+              <a:buFont typeface="+mj-lt"/>
+              <a:buAutoNum type="arabicPeriod"/>
+            </a:pPr>
+            <a:endParaRPr lang="en-US" altLang="zh-TW" sz="2000" dirty="0"/>
+          </a:p>
+          <a:p>
+            <a:pPr marL="914400" lvl="1" indent="-457200">
+              <a:buFont typeface="+mj-lt"/>
+              <a:buAutoNum type="arabicPeriod"/>
+            </a:pPr>
+            <a:r>
+              <a:rPr lang="zh-TW" altLang="en-US" sz="2000" dirty="0"/>
+              <a:t>以下兩種人占多數，合計</a:t>
+            </a:r>
+            <a:r>
+              <a:rPr lang="en-US" altLang="zh-TW" sz="2000" dirty="0"/>
+              <a:t>64.3%:</a:t>
+            </a:r>
+          </a:p>
+          <a:p>
+            <a:pPr lvl="2"/>
+            <a:r>
+              <a:rPr lang="zh-TW" altLang="en-US" dirty="0"/>
+              <a:t>有關節問題的人</a:t>
+            </a:r>
+            <a:r>
+              <a:rPr lang="en-US" altLang="zh-TW" dirty="0"/>
+              <a:t>(40%)</a:t>
+            </a:r>
+          </a:p>
+          <a:p>
+            <a:pPr lvl="2"/>
+            <a:r>
+              <a:rPr lang="zh-TW" altLang="en-US" dirty="0"/>
+              <a:t>對自身健康情況掌握不足的人</a:t>
+            </a:r>
+            <a:r>
+              <a:rPr lang="en-US" altLang="zh-TW" dirty="0"/>
+              <a:t>(24.3%)</a:t>
+            </a:r>
+          </a:p>
+          <a:p>
+            <a:pPr lvl="2"/>
+            <a:endParaRPr lang="en-US" altLang="zh-TW" dirty="0"/>
+          </a:p>
+          <a:p>
+            <a:pPr marL="914400" lvl="1" indent="-457200">
+              <a:buFont typeface="+mj-lt"/>
+              <a:buAutoNum type="arabicPeriod"/>
+            </a:pPr>
+            <a:r>
+              <a:rPr lang="zh-TW" altLang="en-US" dirty="0"/>
+              <a:t>受試者整體認為自己並不具備充份的保健知識</a:t>
+            </a:r>
+            <a:endParaRPr lang="en-US" altLang="zh-TW" dirty="0"/>
+          </a:p>
+          <a:p>
             <a:pPr lvl="1"/>
             <a:endParaRPr lang="en-US" altLang="zh-TW" sz="2000" dirty="0"/>
-          </a:p>
-          <a:p>
-            <a:pPr lvl="1"/>
-            <a:r>
-              <a:rPr lang="zh-TW" altLang="en-US" sz="2000" dirty="0"/>
-              <a:t>以下兩種人占多數，合計</a:t>
-            </a:r>
-            <a:r>
-              <a:rPr lang="en-US" altLang="zh-TW" sz="2000" dirty="0"/>
-              <a:t>64.3%:</a:t>
-            </a:r>
-          </a:p>
-          <a:p>
-            <a:pPr lvl="2"/>
-            <a:r>
-              <a:rPr lang="zh-TW" altLang="en-US" dirty="0"/>
-              <a:t>有關節問題的人</a:t>
-            </a:r>
-            <a:r>
-              <a:rPr lang="en-US" altLang="zh-TW" dirty="0"/>
-              <a:t>(40%)</a:t>
-            </a:r>
-          </a:p>
-          <a:p>
-            <a:pPr lvl="2"/>
-            <a:r>
-              <a:rPr lang="zh-TW" altLang="en-US" dirty="0"/>
-              <a:t>對自身健康情況掌握不足的人</a:t>
-            </a:r>
-            <a:r>
-              <a:rPr lang="en-US" altLang="zh-TW" dirty="0"/>
-              <a:t>(24.3%)</a:t>
-            </a:r>
-          </a:p>
-          <a:p>
-            <a:pPr lvl="1"/>
-            <a:endParaRPr lang="en-US" altLang="zh-TW" sz="2000" dirty="0"/>
-          </a:p>
-          <a:p>
-            <a:r>
-              <a:rPr lang="zh-TW" altLang="en-US" sz="2400" dirty="0"/>
-              <a:t>矛盾點</a:t>
-            </a:r>
-            <a:r>
-              <a:rPr lang="en-US" altLang="zh-TW" sz="2400" dirty="0"/>
-              <a:t>:</a:t>
-            </a:r>
-          </a:p>
-          <a:p>
-            <a:pPr lvl="1"/>
-            <a:r>
-              <a:rPr lang="zh-TW" altLang="en-US" dirty="0"/>
-              <a:t>受試者整體認同關節問題對於健康的重要性</a:t>
-            </a:r>
-            <a:endParaRPr lang="en-US" altLang="zh-TW" dirty="0"/>
-          </a:p>
-          <a:p>
-            <a:pPr lvl="1"/>
-            <a:r>
-              <a:rPr lang="zh-TW" altLang="en-US" dirty="0"/>
-              <a:t>但卻不認為自己具備充分保健知識，且出現了不知道自己健康狀況的人</a:t>
-            </a:r>
-            <a:endParaRPr lang="en-US" altLang="zh-TW" dirty="0"/>
           </a:p>
           <a:p>
             <a:pPr lvl="1"/>
@@ -9123,6 +9654,83 @@
 </file>
 
 <file path=ppt/slides/slide6.xml><?xml version="1.0" encoding="utf-8"?>
+<p:sld xmlns:a="http://schemas.openxmlformats.org/drawingml/2006/main" xmlns:r="http://schemas.openxmlformats.org/officeDocument/2006/relationships" xmlns:p="http://schemas.openxmlformats.org/presentationml/2006/main">
+  <p:cSld>
+    <p:spTree>
+      <p:nvGrpSpPr>
+        <p:cNvPr id="1" name=""/>
+        <p:cNvGrpSpPr/>
+        <p:nvPr/>
+      </p:nvGrpSpPr>
+      <p:grpSpPr>
+        <a:xfrm>
+          <a:off x="0" y="0"/>
+          <a:ext cx="0" cy="0"/>
+          <a:chOff x="0" y="0"/>
+          <a:chExt cx="0" cy="0"/>
+        </a:xfrm>
+      </p:grpSpPr>
+      <p:sp>
+        <p:nvSpPr>
+          <p:cNvPr id="3" name="內容版面配置區 2">
+            <a:extLst>
+              <a:ext uri="{FF2B5EF4-FFF2-40B4-BE49-F238E27FC236}">
+                <a16:creationId xmlns:a16="http://schemas.microsoft.com/office/drawing/2014/main" id="{12B588DD-0B4D-8CC1-4147-4121BE7C90CE}"/>
+              </a:ext>
+            </a:extLst>
+          </p:cNvPr>
+          <p:cNvSpPr>
+            <a:spLocks noGrp="1"/>
+          </p:cNvSpPr>
+          <p:nvPr>
+            <p:ph idx="1"/>
+          </p:nvPr>
+        </p:nvSpPr>
+        <p:spPr/>
+        <p:txBody>
+          <a:bodyPr/>
+          <a:lstStyle/>
+          <a:p>
+            <a:r>
+              <a:rPr lang="zh-TW" altLang="en-US" dirty="0"/>
+              <a:t>矛盾點</a:t>
+            </a:r>
+            <a:r>
+              <a:rPr lang="en-US" altLang="zh-TW" dirty="0"/>
+              <a:t>:</a:t>
+            </a:r>
+          </a:p>
+          <a:p>
+            <a:r>
+              <a:rPr lang="zh-TW" altLang="en-US" dirty="0"/>
+              <a:t>受試者整體認同關節問題對於健康的重要性</a:t>
+            </a:r>
+          </a:p>
+          <a:p>
+            <a:r>
+              <a:rPr lang="zh-TW" altLang="en-US" dirty="0"/>
+              <a:t>但卻不認為自己具備充分保健知識，且出現了不知道自己健康狀況的人</a:t>
+            </a:r>
+          </a:p>
+          <a:p>
+            <a:endParaRPr lang="zh-TW" altLang="en-US" dirty="0"/>
+          </a:p>
+        </p:txBody>
+      </p:sp>
+    </p:spTree>
+    <p:extLst>
+      <p:ext uri="{BB962C8B-B14F-4D97-AF65-F5344CB8AC3E}">
+        <p14:creationId xmlns:p14="http://schemas.microsoft.com/office/powerpoint/2010/main" val="2710965041"/>
+      </p:ext>
+    </p:extLst>
+  </p:cSld>
+  <p:clrMapOvr>
+    <a:masterClrMapping/>
+  </p:clrMapOvr>
+</p:sld>
+</file>
+
+<file path=ppt/slides/slide7.xml><?xml version="1.0" encoding="utf-8"?>
 <p:sld xmlns:a="http://schemas.openxmlformats.org/drawingml/2006/main" xmlns:r="http://schemas.openxmlformats.org/officeDocument/2006/relationships" xmlns:p="http://schemas.openxmlformats.org/presentationml/2006/main">
   <p:cSld>
     <p:bg>
@@ -9713,7 +10321,7 @@
 </p:sld>
 </file>
 
-<file path=ppt/slides/slide7.xml><?xml version="1.0" encoding="utf-8"?>
+<file path=ppt/slides/slide8.xml><?xml version="1.0" encoding="utf-8"?>
 <p:sld xmlns:a="http://schemas.openxmlformats.org/drawingml/2006/main" xmlns:r="http://schemas.openxmlformats.org/officeDocument/2006/relationships" xmlns:p="http://schemas.openxmlformats.org/presentationml/2006/main">
   <p:cSld>
     <p:bg>
@@ -10219,7 +10827,7 @@
 </p:sld>
 </file>
 
-<file path=ppt/slides/slide8.xml><?xml version="1.0" encoding="utf-8"?>
+<file path=ppt/slides/slide9.xml><?xml version="1.0" encoding="utf-8"?>
 <p:sld xmlns:a="http://schemas.openxmlformats.org/drawingml/2006/main" xmlns:r="http://schemas.openxmlformats.org/officeDocument/2006/relationships" xmlns:p="http://schemas.openxmlformats.org/presentationml/2006/main">
   <p:cSld>
     <p:bg>
@@ -10668,538 +11276,6 @@
     <p:extLst>
       <p:ext uri="{BB962C8B-B14F-4D97-AF65-F5344CB8AC3E}">
         <p14:creationId xmlns:p14="http://schemas.microsoft.com/office/powerpoint/2010/main" val="3016596021"/>
-      </p:ext>
-    </p:extLst>
-  </p:cSld>
-  <p:clrMapOvr>
-    <a:masterClrMapping/>
-  </p:clrMapOvr>
-</p:sld>
-</file>
-
-<file path=ppt/slides/slide9.xml><?xml version="1.0" encoding="utf-8"?>
-<p:sld xmlns:a="http://schemas.openxmlformats.org/drawingml/2006/main" xmlns:r="http://schemas.openxmlformats.org/officeDocument/2006/relationships" xmlns:p="http://schemas.openxmlformats.org/presentationml/2006/main">
-  <p:cSld>
-    <p:bg>
-      <p:bgPr>
-        <a:solidFill>
-          <a:schemeClr val="bg1"/>
-        </a:solidFill>
-        <a:effectLst/>
-      </p:bgPr>
-    </p:bg>
-    <p:spTree>
-      <p:nvGrpSpPr>
-        <p:cNvPr id="1" name=""/>
-        <p:cNvGrpSpPr/>
-        <p:nvPr/>
-      </p:nvGrpSpPr>
-      <p:grpSpPr>
-        <a:xfrm>
-          <a:off x="0" y="0"/>
-          <a:ext cx="0" cy="0"/>
-          <a:chOff x="0" y="0"/>
-          <a:chExt cx="0" cy="0"/>
-        </a:xfrm>
-      </p:grpSpPr>
-      <p:sp useBgFill="1">
-        <p:nvSpPr>
-          <p:cNvPr id="8" name="Rectangle 7">
-            <a:extLst>
-              <a:ext uri="{FF2B5EF4-FFF2-40B4-BE49-F238E27FC236}">
-                <a16:creationId xmlns:a16="http://schemas.microsoft.com/office/drawing/2014/main" id="{8B9AA7C6-5E5A-498E-A6DF-A943376E09BC}"/>
-              </a:ext>
-              <a:ext uri="{C183D7F6-B498-43B3-948B-1728B52AA6E4}">
-                <adec:decorative xmlns:adec="http://schemas.microsoft.com/office/drawing/2017/decorative" val="1"/>
-              </a:ext>
-            </a:extLst>
-          </p:cNvPr>
-          <p:cNvSpPr>
-            <a:spLocks noGrp="1" noRot="1" noChangeAspect="1" noMove="1" noResize="1" noEditPoints="1" noAdjustHandles="1" noChangeArrowheads="1" noChangeShapeType="1" noTextEdit="1"/>
-          </p:cNvSpPr>
-          <p:nvPr>
-            <p:extLst>
-              <p:ext uri="{386F3935-93C4-4BCD-93E2-E3B085C9AB24}">
-                <p16:designElem xmlns:p16="http://schemas.microsoft.com/office/powerpoint/2015/main" val="1"/>
-              </p:ext>
-            </p:extLst>
-          </p:nvPr>
-        </p:nvSpPr>
-        <p:spPr>
-          <a:xfrm>
-            <a:off x="0" y="0"/>
-            <a:ext cx="12191999" cy="6857365"/>
-          </a:xfrm>
-          <a:prstGeom prst="rect">
-            <a:avLst/>
-          </a:prstGeom>
-          <a:ln>
-            <a:noFill/>
-          </a:ln>
-        </p:spPr>
-        <p:style>
-          <a:lnRef idx="2">
-            <a:schemeClr val="accent1">
-              <a:shade val="50000"/>
-            </a:schemeClr>
-          </a:lnRef>
-          <a:fillRef idx="1">
-            <a:schemeClr val="accent1"/>
-          </a:fillRef>
-          <a:effectRef idx="0">
-            <a:schemeClr val="accent1"/>
-          </a:effectRef>
-          <a:fontRef idx="minor">
-            <a:schemeClr val="lt1"/>
-          </a:fontRef>
-        </p:style>
-        <p:txBody>
-          <a:bodyPr rtlCol="0" anchor="ctr"/>
-          <a:lstStyle/>
-          <a:p>
-            <a:pPr algn="ctr"/>
-            <a:endParaRPr lang="en-US"/>
-          </a:p>
-        </p:txBody>
-      </p:sp>
-      <p:grpSp>
-        <p:nvGrpSpPr>
-          <p:cNvPr id="10" name="Group 9">
-            <a:extLst>
-              <a:ext uri="{FF2B5EF4-FFF2-40B4-BE49-F238E27FC236}">
-                <a16:creationId xmlns:a16="http://schemas.microsoft.com/office/drawing/2014/main" id="{83EAB11A-76F7-48F4-9B4F-5BFDF4BF9670}"/>
-              </a:ext>
-              <a:ext uri="{C183D7F6-B498-43B3-948B-1728B52AA6E4}">
-                <adec:decorative xmlns:adec="http://schemas.microsoft.com/office/drawing/2017/decorative" val="1"/>
-              </a:ext>
-            </a:extLst>
-          </p:cNvPr>
-          <p:cNvGrpSpPr>
-            <a:grpSpLocks noGrp="1" noUngrp="1" noRot="1" noChangeAspect="1" noMove="1" noResize="1"/>
-          </p:cNvGrpSpPr>
-          <p:nvPr>
-            <p:extLst>
-              <p:ext uri="{386F3935-93C4-4BCD-93E2-E3B085C9AB24}">
-                <p16:designElem xmlns:p16="http://schemas.microsoft.com/office/powerpoint/2015/main" val="1"/>
-              </p:ext>
-            </p:extLst>
-          </p:nvPr>
-        </p:nvGrpSpPr>
-        <p:grpSpPr>
-          <a:xfrm>
-            <a:off x="74300" y="2385102"/>
-            <a:ext cx="574091" cy="2087796"/>
-            <a:chOff x="209668" y="2857422"/>
-            <a:chExt cx="463662" cy="2087796"/>
-          </a:xfrm>
-        </p:grpSpPr>
-        <p:sp>
-          <p:nvSpPr>
-            <p:cNvPr id="11" name="Rectangle 10">
-              <a:extLst>
-                <a:ext uri="{FF2B5EF4-FFF2-40B4-BE49-F238E27FC236}">
-                  <a16:creationId xmlns:a16="http://schemas.microsoft.com/office/drawing/2014/main" id="{74D4C416-D5F4-4F6F-A6F1-87A21CD4FCAF}"/>
-                </a:ext>
-                <a:ext uri="{C183D7F6-B498-43B3-948B-1728B52AA6E4}">
-                  <adec:decorative xmlns:adec="http://schemas.microsoft.com/office/drawing/2017/decorative" val="1"/>
-                </a:ext>
-              </a:extLst>
-            </p:cNvPr>
-            <p:cNvSpPr/>
-            <p:nvPr>
-              <p:extLst>
-                <p:ext uri="{386F3935-93C4-4BCD-93E2-E3B085C9AB24}">
-                  <p16:designElem xmlns:p16="http://schemas.microsoft.com/office/powerpoint/2015/main" val="1"/>
-                </p:ext>
-              </p:extLst>
-            </p:nvPr>
-          </p:nvSpPr>
-          <p:spPr>
-            <a:xfrm flipH="1" flipV="1">
-              <a:off x="423947" y="2857422"/>
-              <a:ext cx="249383" cy="2087795"/>
-            </a:xfrm>
-            <a:prstGeom prst="rect">
-              <a:avLst/>
-            </a:prstGeom>
-            <a:solidFill>
-              <a:schemeClr val="accent4"/>
-            </a:solidFill>
-            <a:ln>
-              <a:noFill/>
-            </a:ln>
-          </p:spPr>
-          <p:style>
-            <a:lnRef idx="2">
-              <a:schemeClr val="accent1">
-                <a:shade val="50000"/>
-              </a:schemeClr>
-            </a:lnRef>
-            <a:fillRef idx="1">
-              <a:schemeClr val="accent1"/>
-            </a:fillRef>
-            <a:effectRef idx="0">
-              <a:schemeClr val="accent1"/>
-            </a:effectRef>
-            <a:fontRef idx="minor">
-              <a:schemeClr val="lt1"/>
-            </a:fontRef>
-          </p:style>
-          <p:txBody>
-            <a:bodyPr rtlCol="0" anchor="ctr"/>
-            <a:lstStyle/>
-            <a:p>
-              <a:pPr algn="ctr"/>
-              <a:endParaRPr lang="en-US"/>
-            </a:p>
-          </p:txBody>
-        </p:sp>
-        <p:cxnSp>
-          <p:nvCxnSpPr>
-            <p:cNvPr id="12" name="Straight Connector 11">
-              <a:extLst>
-                <a:ext uri="{FF2B5EF4-FFF2-40B4-BE49-F238E27FC236}">
-                  <a16:creationId xmlns:a16="http://schemas.microsoft.com/office/drawing/2014/main" id="{C6AC1C30-21C6-4BF6-93EE-B211D7A85011}"/>
-                </a:ext>
-                <a:ext uri="{C183D7F6-B498-43B3-948B-1728B52AA6E4}">
-                  <adec:decorative xmlns:adec="http://schemas.microsoft.com/office/drawing/2017/decorative" val="1"/>
-                </a:ext>
-              </a:extLst>
-            </p:cNvPr>
-            <p:cNvCxnSpPr>
-              <a:cxnSpLocks/>
-            </p:cNvCxnSpPr>
-            <p:nvPr>
-              <p:extLst>
-                <p:ext uri="{386F3935-93C4-4BCD-93E2-E3B085C9AB24}">
-                  <p16:designElem xmlns:p16="http://schemas.microsoft.com/office/powerpoint/2015/main" val="1"/>
-                </p:ext>
-              </p:extLst>
-            </p:nvPr>
-          </p:nvCxnSpPr>
-          <p:spPr>
-            <a:xfrm flipH="1">
-              <a:off x="209668" y="2857423"/>
-              <a:ext cx="1" cy="2087795"/>
-            </a:xfrm>
-            <a:prstGeom prst="line">
-              <a:avLst/>
-            </a:prstGeom>
-            <a:ln w="177800">
-              <a:solidFill>
-                <a:schemeClr val="accent4"/>
-              </a:solidFill>
-            </a:ln>
-          </p:spPr>
-          <p:style>
-            <a:lnRef idx="1">
-              <a:schemeClr val="accent1"/>
-            </a:lnRef>
-            <a:fillRef idx="0">
-              <a:schemeClr val="accent1"/>
-            </a:fillRef>
-            <a:effectRef idx="0">
-              <a:schemeClr val="accent1"/>
-            </a:effectRef>
-            <a:fontRef idx="minor">
-              <a:schemeClr val="tx1"/>
-            </a:fontRef>
-          </p:style>
-        </p:cxnSp>
-      </p:grpSp>
-      <p:sp>
-        <p:nvSpPr>
-          <p:cNvPr id="14" name="Rectangle 13">
-            <a:extLst>
-              <a:ext uri="{FF2B5EF4-FFF2-40B4-BE49-F238E27FC236}">
-                <a16:creationId xmlns:a16="http://schemas.microsoft.com/office/drawing/2014/main" id="{81E140AE-0ABF-47C8-BF32-7D2F0CF2BA44}"/>
-              </a:ext>
-              <a:ext uri="{C183D7F6-B498-43B3-948B-1728B52AA6E4}">
-                <adec:decorative xmlns:adec="http://schemas.microsoft.com/office/drawing/2017/decorative" val="1"/>
-              </a:ext>
-            </a:extLst>
-          </p:cNvPr>
-          <p:cNvSpPr>
-            <a:spLocks noGrp="1" noRot="1" noChangeAspect="1" noMove="1" noResize="1" noEditPoints="1" noAdjustHandles="1" noChangeArrowheads="1" noChangeShapeType="1" noTextEdit="1"/>
-          </p:cNvSpPr>
-          <p:nvPr>
-            <p:extLst>
-              <p:ext uri="{386F3935-93C4-4BCD-93E2-E3B085C9AB24}">
-                <p16:designElem xmlns:p16="http://schemas.microsoft.com/office/powerpoint/2015/main" val="1"/>
-              </p:ext>
-            </p:extLst>
-          </p:nvPr>
-        </p:nvSpPr>
-        <p:spPr>
-          <a:xfrm flipH="1">
-            <a:off x="10697670" y="0"/>
-            <a:ext cx="1494330" cy="6858000"/>
-          </a:xfrm>
-          <a:prstGeom prst="rect">
-            <a:avLst/>
-          </a:prstGeom>
-          <a:solidFill>
-            <a:schemeClr val="accent4"/>
-          </a:solidFill>
-          <a:ln>
-            <a:noFill/>
-          </a:ln>
-        </p:spPr>
-        <p:style>
-          <a:lnRef idx="2">
-            <a:schemeClr val="accent1">
-              <a:shade val="50000"/>
-            </a:schemeClr>
-          </a:lnRef>
-          <a:fillRef idx="1">
-            <a:schemeClr val="accent1"/>
-          </a:fillRef>
-          <a:effectRef idx="0">
-            <a:schemeClr val="accent1"/>
-          </a:effectRef>
-          <a:fontRef idx="minor">
-            <a:schemeClr val="lt1"/>
-          </a:fontRef>
-        </p:style>
-        <p:txBody>
-          <a:bodyPr rtlCol="0" anchor="ctr"/>
-          <a:lstStyle/>
-          <a:p>
-            <a:pPr algn="ctr"/>
-            <a:endParaRPr lang="en-US"/>
-          </a:p>
-        </p:txBody>
-      </p:sp>
-      <p:sp>
-        <p:nvSpPr>
-          <p:cNvPr id="16" name="Rectangle 15">
-            <a:extLst>
-              <a:ext uri="{FF2B5EF4-FFF2-40B4-BE49-F238E27FC236}">
-                <a16:creationId xmlns:a16="http://schemas.microsoft.com/office/drawing/2014/main" id="{CBC4F608-B4B8-48C3-9572-C0F061B1CD99}"/>
-              </a:ext>
-              <a:ext uri="{C183D7F6-B498-43B3-948B-1728B52AA6E4}">
-                <adec:decorative xmlns:adec="http://schemas.microsoft.com/office/drawing/2017/decorative" val="1"/>
-              </a:ext>
-            </a:extLst>
-          </p:cNvPr>
-          <p:cNvSpPr>
-            <a:spLocks noGrp="1" noRot="1" noChangeAspect="1" noMove="1" noResize="1" noEditPoints="1" noAdjustHandles="1" noChangeArrowheads="1" noChangeShapeType="1" noTextEdit="1"/>
-          </p:cNvSpPr>
-          <p:nvPr>
-            <p:extLst>
-              <p:ext uri="{386F3935-93C4-4BCD-93E2-E3B085C9AB24}">
-                <p16:designElem xmlns:p16="http://schemas.microsoft.com/office/powerpoint/2015/main" val="1"/>
-              </p:ext>
-            </p:extLst>
-          </p:nvPr>
-        </p:nvSpPr>
-        <p:spPr>
-          <a:xfrm>
-            <a:off x="579528" y="631767"/>
-            <a:ext cx="11111729" cy="5752404"/>
-          </a:xfrm>
-          <a:prstGeom prst="rect">
-            <a:avLst/>
-          </a:prstGeom>
-          <a:solidFill>
-            <a:schemeClr val="bg1"/>
-          </a:solidFill>
-          <a:ln>
-            <a:noFill/>
-          </a:ln>
-          <a:effectLst>
-            <a:outerShdw blurRad="139700" dist="127000" dir="5400000" algn="t" rotWithShape="0">
-              <a:prstClr val="black">
-                <a:alpha val="15000"/>
-              </a:prstClr>
-            </a:outerShdw>
-          </a:effectLst>
-        </p:spPr>
-        <p:style>
-          <a:lnRef idx="2">
-            <a:schemeClr val="accent1">
-              <a:shade val="50000"/>
-            </a:schemeClr>
-          </a:lnRef>
-          <a:fillRef idx="1">
-            <a:schemeClr val="accent1"/>
-          </a:fillRef>
-          <a:effectRef idx="0">
-            <a:schemeClr val="accent1"/>
-          </a:effectRef>
-          <a:fontRef idx="minor">
-            <a:schemeClr val="lt1"/>
-          </a:fontRef>
-        </p:style>
-        <p:txBody>
-          <a:bodyPr rtlCol="0" anchor="ctr"/>
-          <a:lstStyle/>
-          <a:p>
-            <a:pPr algn="ctr"/>
-            <a:endParaRPr lang="en-US"/>
-          </a:p>
-        </p:txBody>
-      </p:sp>
-      <p:sp>
-        <p:nvSpPr>
-          <p:cNvPr id="2" name="標題 1">
-            <a:extLst>
-              <a:ext uri="{FF2B5EF4-FFF2-40B4-BE49-F238E27FC236}">
-                <a16:creationId xmlns:a16="http://schemas.microsoft.com/office/drawing/2014/main" id="{E67A9B9C-0E13-2912-FE56-0698E122B7D9}"/>
-              </a:ext>
-            </a:extLst>
-          </p:cNvPr>
-          <p:cNvSpPr>
-            <a:spLocks noGrp="1"/>
-          </p:cNvSpPr>
-          <p:nvPr>
-            <p:ph type="title"/>
-          </p:nvPr>
-        </p:nvSpPr>
-        <p:spPr>
-          <a:xfrm>
-            <a:off x="1153618" y="1239927"/>
-            <a:ext cx="4008586" cy="4680583"/>
-          </a:xfrm>
-        </p:spPr>
-        <p:txBody>
-          <a:bodyPr anchor="ctr">
-            <a:normAutofit/>
-          </a:bodyPr>
-          <a:lstStyle/>
-          <a:p>
-            <a:r>
-              <a:rPr lang="zh-TW" altLang="en-US" sz="5200" b="1" dirty="0">
-                <a:latin typeface="微軟正黑體" panose="020B0604030504040204" pitchFamily="34" charset="-120"/>
-                <a:ea typeface="微軟正黑體" panose="020B0604030504040204" pitchFamily="34" charset="-120"/>
-              </a:rPr>
-              <a:t>產品概述</a:t>
-            </a:r>
-          </a:p>
-        </p:txBody>
-      </p:sp>
-      <p:sp>
-        <p:nvSpPr>
-          <p:cNvPr id="3" name="內容版面配置區 2">
-            <a:extLst>
-              <a:ext uri="{FF2B5EF4-FFF2-40B4-BE49-F238E27FC236}">
-                <a16:creationId xmlns:a16="http://schemas.microsoft.com/office/drawing/2014/main" id="{115867E0-5F26-C3F4-42A9-F9EFA5F1E4E5}"/>
-              </a:ext>
-            </a:extLst>
-          </p:cNvPr>
-          <p:cNvSpPr>
-            <a:spLocks noGrp="1"/>
-          </p:cNvSpPr>
-          <p:nvPr>
-            <p:ph idx="1"/>
-          </p:nvPr>
-        </p:nvSpPr>
-        <p:spPr>
-          <a:xfrm>
-            <a:off x="6291923" y="1239927"/>
-            <a:ext cx="4971824" cy="4680583"/>
-          </a:xfrm>
-        </p:spPr>
-        <p:txBody>
-          <a:bodyPr anchor="ctr">
-            <a:normAutofit/>
-          </a:bodyPr>
-          <a:lstStyle/>
-          <a:p>
-            <a:r>
-              <a:rPr lang="zh-TW" altLang="en-US" sz="2000" dirty="0">
-                <a:latin typeface="微軟正黑體" panose="020B0604030504040204" pitchFamily="34" charset="-120"/>
-                <a:ea typeface="微軟正黑體" panose="020B0604030504040204" pitchFamily="34" charset="-120"/>
-              </a:rPr>
-              <a:t>物理資聊</a:t>
-            </a:r>
-            <a:r>
-              <a:rPr lang="en-US" altLang="zh-TW" sz="2000" dirty="0">
-                <a:latin typeface="微軟正黑體" panose="020B0604030504040204" pitchFamily="34" charset="-120"/>
-                <a:ea typeface="微軟正黑體" panose="020B0604030504040204" pitchFamily="34" charset="-120"/>
-              </a:rPr>
-              <a:t>:</a:t>
-            </a:r>
-          </a:p>
-          <a:p>
-            <a:pPr lvl="1"/>
-            <a:endParaRPr lang="en-US" altLang="zh-TW" sz="2000" dirty="0">
-              <a:latin typeface="微軟正黑體" panose="020B0604030504040204" pitchFamily="34" charset="-120"/>
-              <a:ea typeface="微軟正黑體" panose="020B0604030504040204" pitchFamily="34" charset="-120"/>
-            </a:endParaRPr>
-          </a:p>
-          <a:p>
-            <a:pPr lvl="1"/>
-            <a:r>
-              <a:rPr lang="zh-TW" altLang="en-US" sz="2000" dirty="0">
-                <a:latin typeface="微軟正黑體" panose="020B0604030504040204" pitchFamily="34" charset="-120"/>
-                <a:ea typeface="微軟正黑體" panose="020B0604030504040204" pitchFamily="34" charset="-120"/>
-              </a:rPr>
-              <a:t>檢測關節、體態情況</a:t>
-            </a:r>
-            <a:endParaRPr lang="en-US" altLang="zh-TW" sz="2000" dirty="0">
-              <a:latin typeface="微軟正黑體" panose="020B0604030504040204" pitchFamily="34" charset="-120"/>
-              <a:ea typeface="微軟正黑體" panose="020B0604030504040204" pitchFamily="34" charset="-120"/>
-            </a:endParaRPr>
-          </a:p>
-          <a:p>
-            <a:pPr lvl="1"/>
-            <a:endParaRPr lang="en-US" altLang="zh-TW" sz="2000" dirty="0">
-              <a:latin typeface="微軟正黑體" panose="020B0604030504040204" pitchFamily="34" charset="-120"/>
-              <a:ea typeface="微軟正黑體" panose="020B0604030504040204" pitchFamily="34" charset="-120"/>
-            </a:endParaRPr>
-          </a:p>
-          <a:p>
-            <a:pPr lvl="1"/>
-            <a:r>
-              <a:rPr lang="zh-TW" altLang="en-US" sz="2000" dirty="0">
-                <a:latin typeface="微軟正黑體" panose="020B0604030504040204" pitchFamily="34" charset="-120"/>
-                <a:ea typeface="微軟正黑體" panose="020B0604030504040204" pitchFamily="34" charset="-120"/>
-              </a:rPr>
-              <a:t>聊天諮詢</a:t>
-            </a:r>
-            <a:endParaRPr lang="en-US" altLang="zh-TW" sz="2000" dirty="0">
-              <a:latin typeface="微軟正黑體" panose="020B0604030504040204" pitchFamily="34" charset="-120"/>
-              <a:ea typeface="微軟正黑體" panose="020B0604030504040204" pitchFamily="34" charset="-120"/>
-            </a:endParaRPr>
-          </a:p>
-          <a:p>
-            <a:pPr lvl="1"/>
-            <a:endParaRPr lang="en-US" altLang="zh-TW" sz="2000" dirty="0">
-              <a:latin typeface="微軟正黑體" panose="020B0604030504040204" pitchFamily="34" charset="-120"/>
-              <a:ea typeface="微軟正黑體" panose="020B0604030504040204" pitchFamily="34" charset="-120"/>
-            </a:endParaRPr>
-          </a:p>
-          <a:p>
-            <a:pPr lvl="1"/>
-            <a:r>
-              <a:rPr lang="zh-TW" altLang="en-US" sz="2000" dirty="0">
-                <a:latin typeface="微軟正黑體" panose="020B0604030504040204" pitchFamily="34" charset="-120"/>
-                <a:ea typeface="微軟正黑體" panose="020B0604030504040204" pitchFamily="34" charset="-120"/>
-              </a:rPr>
-              <a:t>居家運動</a:t>
-            </a:r>
-            <a:endParaRPr lang="en-US" altLang="zh-TW" sz="2000" dirty="0">
-              <a:latin typeface="微軟正黑體" panose="020B0604030504040204" pitchFamily="34" charset="-120"/>
-              <a:ea typeface="微軟正黑體" panose="020B0604030504040204" pitchFamily="34" charset="-120"/>
-            </a:endParaRPr>
-          </a:p>
-          <a:p>
-            <a:pPr lvl="1"/>
-            <a:endParaRPr lang="en-US" altLang="zh-TW" sz="2000" dirty="0"/>
-          </a:p>
-          <a:p>
-            <a:pPr marL="457200" lvl="1" indent="0">
-              <a:buNone/>
-            </a:pPr>
-            <a:endParaRPr lang="en-US" altLang="zh-TW" sz="2000" dirty="0"/>
-          </a:p>
-        </p:txBody>
-      </p:sp>
-    </p:spTree>
-    <p:extLst>
-      <p:ext uri="{BB962C8B-B14F-4D97-AF65-F5344CB8AC3E}">
-        <p14:creationId xmlns:p14="http://schemas.microsoft.com/office/powerpoint/2010/main" val="555405392"/>
       </p:ext>
     </p:extLst>
   </p:cSld>
